--- a/Stimuli/instructions_MSIT_6-13.pptx
+++ b/Stimuli/instructions_MSIT_6-13.pptx
@@ -5,7 +5,7 @@
     <p:sldMasterId id="2147483672" r:id="rId1"/>
   </p:sldMasterIdLst>
   <p:notesMasterIdLst>
-    <p:notesMasterId r:id="rId37"/>
+    <p:notesMasterId r:id="rId36"/>
   </p:notesMasterIdLst>
   <p:sldIdLst>
     <p:sldId id="286" r:id="rId2"/>
@@ -17,18 +17,18 @@
     <p:sldId id="483" r:id="rId8"/>
     <p:sldId id="466" r:id="rId9"/>
     <p:sldId id="487" r:id="rId10"/>
-    <p:sldId id="488" r:id="rId11"/>
-    <p:sldId id="489" r:id="rId12"/>
-    <p:sldId id="468" r:id="rId13"/>
-    <p:sldId id="490" r:id="rId14"/>
-    <p:sldId id="469" r:id="rId15"/>
-    <p:sldId id="470" r:id="rId16"/>
-    <p:sldId id="491" r:id="rId17"/>
-    <p:sldId id="492" r:id="rId18"/>
-    <p:sldId id="493" r:id="rId19"/>
-    <p:sldId id="494" r:id="rId20"/>
-    <p:sldId id="495" r:id="rId21"/>
-    <p:sldId id="496" r:id="rId22"/>
+    <p:sldId id="468" r:id="rId11"/>
+    <p:sldId id="490" r:id="rId12"/>
+    <p:sldId id="469" r:id="rId13"/>
+    <p:sldId id="470" r:id="rId14"/>
+    <p:sldId id="491" r:id="rId15"/>
+    <p:sldId id="492" r:id="rId16"/>
+    <p:sldId id="493" r:id="rId17"/>
+    <p:sldId id="494" r:id="rId18"/>
+    <p:sldId id="495" r:id="rId19"/>
+    <p:sldId id="496" r:id="rId20"/>
+    <p:sldId id="488" r:id="rId21"/>
+    <p:sldId id="489" r:id="rId22"/>
     <p:sldId id="497" r:id="rId23"/>
     <p:sldId id="471" r:id="rId24"/>
     <p:sldId id="474" r:id="rId25"/>
@@ -38,11 +38,10 @@
     <p:sldId id="501" r:id="rId29"/>
     <p:sldId id="502" r:id="rId30"/>
     <p:sldId id="503" r:id="rId31"/>
-    <p:sldId id="446" r:id="rId32"/>
-    <p:sldId id="448" r:id="rId33"/>
-    <p:sldId id="504" r:id="rId34"/>
-    <p:sldId id="505" r:id="rId35"/>
-    <p:sldId id="506" r:id="rId36"/>
+    <p:sldId id="448" r:id="rId32"/>
+    <p:sldId id="504" r:id="rId33"/>
+    <p:sldId id="505" r:id="rId34"/>
+    <p:sldId id="506" r:id="rId35"/>
   </p:sldIdLst>
   <p:sldSz cx="9144000" cy="6400800"/>
   <p:notesSz cx="6858000" cy="9144000"/>
@@ -231,7 +230,7 @@
           <a:p>
             <a:fld id="{2CC4CF8D-9FFA-D94E-9ECF-51D1F1CD8AD5}" type="datetimeFigureOut">
               <a:rPr lang="en-US" smtClean="0"/>
-              <a:t>6/14/2020</a:t>
+              <a:t>6/19/20</a:t>
             </a:fld>
             <a:endParaRPr lang="en-US"/>
           </a:p>
@@ -666,7 +665,7 @@
     </p:spTree>
     <p:extLst>
       <p:ext uri="{BB962C8B-B14F-4D97-AF65-F5344CB8AC3E}">
-        <p14:creationId xmlns:p14="http://schemas.microsoft.com/office/powerpoint/2010/main" val="2120518995"/>
+        <p14:creationId xmlns:p14="http://schemas.microsoft.com/office/powerpoint/2010/main" val="519836741"/>
       </p:ext>
     </p:extLst>
   </p:cSld>
@@ -755,7 +754,7 @@
     </p:spTree>
     <p:extLst>
       <p:ext uri="{BB962C8B-B14F-4D97-AF65-F5344CB8AC3E}">
-        <p14:creationId xmlns:p14="http://schemas.microsoft.com/office/powerpoint/2010/main" val="3396513885"/>
+        <p14:creationId xmlns:p14="http://schemas.microsoft.com/office/powerpoint/2010/main" val="3856651427"/>
       </p:ext>
     </p:extLst>
   </p:cSld>
@@ -844,7 +843,7 @@
     </p:spTree>
     <p:extLst>
       <p:ext uri="{BB962C8B-B14F-4D97-AF65-F5344CB8AC3E}">
-        <p14:creationId xmlns:p14="http://schemas.microsoft.com/office/powerpoint/2010/main" val="519836741"/>
+        <p14:creationId xmlns:p14="http://schemas.microsoft.com/office/powerpoint/2010/main" val="1098196506"/>
       </p:ext>
     </p:extLst>
   </p:cSld>
@@ -933,7 +932,7 @@
     </p:spTree>
     <p:extLst>
       <p:ext uri="{BB962C8B-B14F-4D97-AF65-F5344CB8AC3E}">
-        <p14:creationId xmlns:p14="http://schemas.microsoft.com/office/powerpoint/2010/main" val="3856651427"/>
+        <p14:creationId xmlns:p14="http://schemas.microsoft.com/office/powerpoint/2010/main" val="1984589122"/>
       </p:ext>
     </p:extLst>
   </p:cSld>
@@ -1022,7 +1021,7 @@
     </p:spTree>
     <p:extLst>
       <p:ext uri="{BB962C8B-B14F-4D97-AF65-F5344CB8AC3E}">
-        <p14:creationId xmlns:p14="http://schemas.microsoft.com/office/powerpoint/2010/main" val="1098196506"/>
+        <p14:creationId xmlns:p14="http://schemas.microsoft.com/office/powerpoint/2010/main" val="1463970851"/>
       </p:ext>
     </p:extLst>
   </p:cSld>
@@ -1111,7 +1110,7 @@
     </p:spTree>
     <p:extLst>
       <p:ext uri="{BB962C8B-B14F-4D97-AF65-F5344CB8AC3E}">
-        <p14:creationId xmlns:p14="http://schemas.microsoft.com/office/powerpoint/2010/main" val="1984589122"/>
+        <p14:creationId xmlns:p14="http://schemas.microsoft.com/office/powerpoint/2010/main" val="711466309"/>
       </p:ext>
     </p:extLst>
   </p:cSld>
@@ -1200,7 +1199,7 @@
     </p:spTree>
     <p:extLst>
       <p:ext uri="{BB962C8B-B14F-4D97-AF65-F5344CB8AC3E}">
-        <p14:creationId xmlns:p14="http://schemas.microsoft.com/office/powerpoint/2010/main" val="1463970851"/>
+        <p14:creationId xmlns:p14="http://schemas.microsoft.com/office/powerpoint/2010/main" val="1094789539"/>
       </p:ext>
     </p:extLst>
   </p:cSld>
@@ -1289,7 +1288,7 @@
     </p:spTree>
     <p:extLst>
       <p:ext uri="{BB962C8B-B14F-4D97-AF65-F5344CB8AC3E}">
-        <p14:creationId xmlns:p14="http://schemas.microsoft.com/office/powerpoint/2010/main" val="711466309"/>
+        <p14:creationId xmlns:p14="http://schemas.microsoft.com/office/powerpoint/2010/main" val="461556463"/>
       </p:ext>
     </p:extLst>
   </p:cSld>
@@ -1378,7 +1377,7 @@
     </p:spTree>
     <p:extLst>
       <p:ext uri="{BB962C8B-B14F-4D97-AF65-F5344CB8AC3E}">
-        <p14:creationId xmlns:p14="http://schemas.microsoft.com/office/powerpoint/2010/main" val="1094789539"/>
+        <p14:creationId xmlns:p14="http://schemas.microsoft.com/office/powerpoint/2010/main" val="2158702253"/>
       </p:ext>
     </p:extLst>
   </p:cSld>
@@ -1467,7 +1466,7 @@
     </p:spTree>
     <p:extLst>
       <p:ext uri="{BB962C8B-B14F-4D97-AF65-F5344CB8AC3E}">
-        <p14:creationId xmlns:p14="http://schemas.microsoft.com/office/powerpoint/2010/main" val="461556463"/>
+        <p14:creationId xmlns:p14="http://schemas.microsoft.com/office/powerpoint/2010/main" val="1073758873"/>
       </p:ext>
     </p:extLst>
   </p:cSld>
@@ -1645,7 +1644,7 @@
     </p:spTree>
     <p:extLst>
       <p:ext uri="{BB962C8B-B14F-4D97-AF65-F5344CB8AC3E}">
-        <p14:creationId xmlns:p14="http://schemas.microsoft.com/office/powerpoint/2010/main" val="2158702253"/>
+        <p14:creationId xmlns:p14="http://schemas.microsoft.com/office/powerpoint/2010/main" val="2120518995"/>
       </p:ext>
     </p:extLst>
   </p:cSld>
@@ -1734,7 +1733,7 @@
     </p:spTree>
     <p:extLst>
       <p:ext uri="{BB962C8B-B14F-4D97-AF65-F5344CB8AC3E}">
-        <p14:creationId xmlns:p14="http://schemas.microsoft.com/office/powerpoint/2010/main" val="1073758873"/>
+        <p14:creationId xmlns:p14="http://schemas.microsoft.com/office/powerpoint/2010/main" val="3396513885"/>
       </p:ext>
     </p:extLst>
   </p:cSld>
@@ -2704,7 +2703,7 @@
           <a:p>
             <a:fld id="{68531DAD-A0BF-0641-8A4B-8DD2D329389E}" type="slidenum">
               <a:rPr lang="en-US" smtClean="0"/>
-              <a:t>31</a:t>
+              <a:t>32</a:t>
             </a:fld>
             <a:endParaRPr lang="en-US"/>
           </a:p>
@@ -2713,7 +2712,7 @@
     </p:spTree>
     <p:extLst>
       <p:ext uri="{BB962C8B-B14F-4D97-AF65-F5344CB8AC3E}">
-        <p14:creationId xmlns:p14="http://schemas.microsoft.com/office/powerpoint/2010/main" val="998536984"/>
+        <p14:creationId xmlns:p14="http://schemas.microsoft.com/office/powerpoint/2010/main" val="3748046000"/>
       </p:ext>
     </p:extLst>
   </p:cSld>
@@ -2802,7 +2801,7 @@
     </p:spTree>
     <p:extLst>
       <p:ext uri="{BB962C8B-B14F-4D97-AF65-F5344CB8AC3E}">
-        <p14:creationId xmlns:p14="http://schemas.microsoft.com/office/powerpoint/2010/main" val="3748046000"/>
+        <p14:creationId xmlns:p14="http://schemas.microsoft.com/office/powerpoint/2010/main" val="3077453533"/>
       </p:ext>
     </p:extLst>
   </p:cSld>
@@ -2883,95 +2882,6 @@
             <a:fld id="{68531DAD-A0BF-0641-8A4B-8DD2D329389E}" type="slidenum">
               <a:rPr lang="en-US" smtClean="0"/>
               <a:t>34</a:t>
-            </a:fld>
-            <a:endParaRPr lang="en-US"/>
-          </a:p>
-        </p:txBody>
-      </p:sp>
-    </p:spTree>
-    <p:extLst>
-      <p:ext uri="{BB962C8B-B14F-4D97-AF65-F5344CB8AC3E}">
-        <p14:creationId xmlns:p14="http://schemas.microsoft.com/office/powerpoint/2010/main" val="3077453533"/>
-      </p:ext>
-    </p:extLst>
-  </p:cSld>
-  <p:clrMapOvr>
-    <a:masterClrMapping/>
-  </p:clrMapOvr>
-</p:notes>
-</file>
-
-<file path=ppt/notesSlides/notesSlide34.xml><?xml version="1.0" encoding="utf-8"?>
-<p:notes xmlns:a="http://schemas.openxmlformats.org/drawingml/2006/main" xmlns:r="http://schemas.openxmlformats.org/officeDocument/2006/relationships" xmlns:p="http://schemas.openxmlformats.org/presentationml/2006/main">
-  <p:cSld>
-    <p:spTree>
-      <p:nvGrpSpPr>
-        <p:cNvPr id="1" name=""/>
-        <p:cNvGrpSpPr/>
-        <p:nvPr/>
-      </p:nvGrpSpPr>
-      <p:grpSpPr>
-        <a:xfrm>
-          <a:off x="0" y="0"/>
-          <a:ext cx="0" cy="0"/>
-          <a:chOff x="0" y="0"/>
-          <a:chExt cx="0" cy="0"/>
-        </a:xfrm>
-      </p:grpSpPr>
-      <p:sp>
-        <p:nvSpPr>
-          <p:cNvPr id="2" name="Slide Image Placeholder 1"/>
-          <p:cNvSpPr>
-            <a:spLocks noGrp="1" noRot="1" noChangeAspect="1"/>
-          </p:cNvSpPr>
-          <p:nvPr>
-            <p:ph type="sldImg"/>
-          </p:nvPr>
-        </p:nvSpPr>
-        <p:spPr>
-          <a:xfrm>
-            <a:off x="1225550" y="1143000"/>
-            <a:ext cx="4406900" cy="3086100"/>
-          </a:xfrm>
-        </p:spPr>
-      </p:sp>
-      <p:sp>
-        <p:nvSpPr>
-          <p:cNvPr id="3" name="Notes Placeholder 2"/>
-          <p:cNvSpPr>
-            <a:spLocks noGrp="1"/>
-          </p:cNvSpPr>
-          <p:nvPr>
-            <p:ph type="body" idx="1"/>
-          </p:nvPr>
-        </p:nvSpPr>
-        <p:spPr/>
-        <p:txBody>
-          <a:bodyPr/>
-          <a:lstStyle/>
-          <a:p>
-            <a:endParaRPr lang="en-US"/>
-          </a:p>
-        </p:txBody>
-      </p:sp>
-      <p:sp>
-        <p:nvSpPr>
-          <p:cNvPr id="4" name="Slide Number Placeholder 3"/>
-          <p:cNvSpPr>
-            <a:spLocks noGrp="1"/>
-          </p:cNvSpPr>
-          <p:nvPr>
-            <p:ph type="sldNum" sz="quarter" idx="5"/>
-          </p:nvPr>
-        </p:nvSpPr>
-        <p:spPr/>
-        <p:txBody>
-          <a:bodyPr/>
-          <a:lstStyle/>
-          <a:p>
-            <a:fld id="{68531DAD-A0BF-0641-8A4B-8DD2D329389E}" type="slidenum">
-              <a:rPr lang="en-US" smtClean="0"/>
-              <a:t>35</a:t>
             </a:fld>
             <a:endParaRPr lang="en-US"/>
           </a:p>
@@ -3655,7 +3565,7 @@
           <a:p>
             <a:fld id="{2F4D30B7-9F9A-4DF0-96B1-87E6F384AC6E}" type="datetimeFigureOut">
               <a:rPr lang="nl-NL" smtClean="0"/>
-              <a:t>14-6-2020</a:t>
+              <a:t>19-06-20</a:t>
             </a:fld>
             <a:endParaRPr lang="nl-NL"/>
           </a:p>
@@ -3825,7 +3735,7 @@
           <a:p>
             <a:fld id="{2F4D30B7-9F9A-4DF0-96B1-87E6F384AC6E}" type="datetimeFigureOut">
               <a:rPr lang="nl-NL" smtClean="0"/>
-              <a:t>14-6-2020</a:t>
+              <a:t>19-06-20</a:t>
             </a:fld>
             <a:endParaRPr lang="nl-NL"/>
           </a:p>
@@ -4005,7 +3915,7 @@
           <a:p>
             <a:fld id="{2F4D30B7-9F9A-4DF0-96B1-87E6F384AC6E}" type="datetimeFigureOut">
               <a:rPr lang="nl-NL" smtClean="0"/>
-              <a:t>14-6-2020</a:t>
+              <a:t>19-06-20</a:t>
             </a:fld>
             <a:endParaRPr lang="nl-NL"/>
           </a:p>
@@ -4175,7 +4085,7 @@
           <a:p>
             <a:fld id="{2F4D30B7-9F9A-4DF0-96B1-87E6F384AC6E}" type="datetimeFigureOut">
               <a:rPr lang="nl-NL" smtClean="0"/>
-              <a:t>14-6-2020</a:t>
+              <a:t>19-06-20</a:t>
             </a:fld>
             <a:endParaRPr lang="nl-NL"/>
           </a:p>
@@ -4419,7 +4329,7 @@
           <a:p>
             <a:fld id="{2F4D30B7-9F9A-4DF0-96B1-87E6F384AC6E}" type="datetimeFigureOut">
               <a:rPr lang="nl-NL" smtClean="0"/>
-              <a:t>14-6-2020</a:t>
+              <a:t>19-06-20</a:t>
             </a:fld>
             <a:endParaRPr lang="nl-NL"/>
           </a:p>
@@ -4651,7 +4561,7 @@
           <a:p>
             <a:fld id="{2F4D30B7-9F9A-4DF0-96B1-87E6F384AC6E}" type="datetimeFigureOut">
               <a:rPr lang="nl-NL" smtClean="0"/>
-              <a:t>14-6-2020</a:t>
+              <a:t>19-06-20</a:t>
             </a:fld>
             <a:endParaRPr lang="nl-NL"/>
           </a:p>
@@ -5018,7 +4928,7 @@
           <a:p>
             <a:fld id="{2F4D30B7-9F9A-4DF0-96B1-87E6F384AC6E}" type="datetimeFigureOut">
               <a:rPr lang="nl-NL" smtClean="0"/>
-              <a:t>14-6-2020</a:t>
+              <a:t>19-06-20</a:t>
             </a:fld>
             <a:endParaRPr lang="nl-NL"/>
           </a:p>
@@ -5136,7 +5046,7 @@
           <a:p>
             <a:fld id="{2F4D30B7-9F9A-4DF0-96B1-87E6F384AC6E}" type="datetimeFigureOut">
               <a:rPr lang="nl-NL" smtClean="0"/>
-              <a:t>14-6-2020</a:t>
+              <a:t>19-06-20</a:t>
             </a:fld>
             <a:endParaRPr lang="nl-NL"/>
           </a:p>
@@ -5231,7 +5141,7 @@
           <a:p>
             <a:fld id="{2F4D30B7-9F9A-4DF0-96B1-87E6F384AC6E}" type="datetimeFigureOut">
               <a:rPr lang="nl-NL" smtClean="0"/>
-              <a:t>14-6-2020</a:t>
+              <a:t>19-06-20</a:t>
             </a:fld>
             <a:endParaRPr lang="nl-NL"/>
           </a:p>
@@ -5508,7 +5418,7 @@
           <a:p>
             <a:fld id="{2F4D30B7-9F9A-4DF0-96B1-87E6F384AC6E}" type="datetimeFigureOut">
               <a:rPr lang="nl-NL" smtClean="0"/>
-              <a:t>14-6-2020</a:t>
+              <a:t>19-06-20</a:t>
             </a:fld>
             <a:endParaRPr lang="nl-NL"/>
           </a:p>
@@ -5765,7 +5675,7 @@
           <a:p>
             <a:fld id="{2F4D30B7-9F9A-4DF0-96B1-87E6F384AC6E}" type="datetimeFigureOut">
               <a:rPr lang="nl-NL" smtClean="0"/>
-              <a:t>14-6-2020</a:t>
+              <a:t>19-06-20</a:t>
             </a:fld>
             <a:endParaRPr lang="nl-NL"/>
           </a:p>
@@ -5978,7 +5888,7 @@
           <a:p>
             <a:fld id="{2F4D30B7-9F9A-4DF0-96B1-87E6F384AC6E}" type="datetimeFigureOut">
               <a:rPr lang="nl-NL" smtClean="0"/>
-              <a:t>14-6-2020</a:t>
+              <a:t>19-06-20</a:t>
             </a:fld>
             <a:endParaRPr lang="nl-NL"/>
           </a:p>
@@ -6492,8 +6402,8 @@
         </p:nvSpPr>
         <p:spPr>
           <a:xfrm>
-            <a:off x="853471" y="1116545"/>
-            <a:ext cx="7198189" cy="7251216"/>
+            <a:off x="823491" y="1387596"/>
+            <a:ext cx="7004097" cy="4832092"/>
           </a:xfrm>
           <a:prstGeom prst="rect">
             <a:avLst/>
@@ -6508,113 +6418,25 @@
           <a:p>
             <a:r>
               <a:rPr lang="en-US" sz="1960" dirty="0"/>
-              <a:t>For </a:t>
-            </a:r>
-            <a:r>
-              <a:rPr lang="en-US" sz="1960" b="1" i="1" dirty="0">
-                <a:solidFill>
-                  <a:schemeClr val="accent2"/>
-                </a:solidFill>
-              </a:rPr>
-              <a:t>mismatching</a:t>
-            </a:r>
-            <a:r>
-              <a:rPr lang="en-US" sz="1960" b="1" dirty="0"/>
-              <a:t> </a:t>
-            </a:r>
+              <a:t>The “+” indicates the start of a new trial that is about to appear on </a:t>
+            </a:r>
+          </a:p>
+          <a:p>
             <a:r>
               <a:rPr lang="en-US" sz="1960" dirty="0"/>
-              <a:t>trials, the </a:t>
-            </a:r>
-            <a:r>
-              <a:rPr lang="en-US" sz="1960" b="1" dirty="0"/>
-              <a:t>position</a:t>
-            </a:r>
-            <a:r>
-              <a:rPr lang="en-US" sz="1960" dirty="0"/>
-              <a:t> of the </a:t>
-            </a:r>
-            <a:r>
-              <a:rPr lang="en-US" sz="1960" b="1" dirty="0"/>
-              <a:t>oddball</a:t>
-            </a:r>
-            <a:r>
-              <a:rPr lang="en-US" sz="1960" dirty="0"/>
-              <a:t> on the screen will </a:t>
-            </a:r>
-          </a:p>
-          <a:p>
-            <a:pPr rtl="0">
-              <a:spcBef>
-                <a:spcPts val="0"/>
-              </a:spcBef>
-              <a:spcAft>
-                <a:spcPts val="0"/>
-              </a:spcAft>
-            </a:pPr>
-            <a:r>
-              <a:rPr lang="en-US" sz="1960" dirty="0"/>
-              <a:t>be the </a:t>
-            </a:r>
-            <a:r>
-              <a:rPr lang="en-US" sz="1960" b="1" dirty="0"/>
-              <a:t>different </a:t>
-            </a:r>
-            <a:r>
-              <a:rPr lang="en-US" sz="1960" dirty="0"/>
-              <a:t> from the </a:t>
-            </a:r>
-            <a:r>
-              <a:rPr lang="en-US" sz="1960" b="1" dirty="0"/>
-              <a:t>location</a:t>
-            </a:r>
-            <a:r>
-              <a:rPr lang="en-US" sz="1960" dirty="0"/>
-              <a:t> of the key you must press: </a:t>
-            </a:r>
-          </a:p>
-          <a:p>
-            <a:endParaRPr lang="en-US" sz="1960" dirty="0"/>
-          </a:p>
-          <a:p>
-            <a:pPr rtl="0">
-              <a:spcBef>
-                <a:spcPts val="0"/>
-              </a:spcBef>
-              <a:spcAft>
-                <a:spcPts val="0"/>
-              </a:spcAft>
-            </a:pPr>
-            <a:endParaRPr lang="en-US" sz="1960" dirty="0"/>
-          </a:p>
-          <a:p>
-            <a:br>
-              <a:rPr lang="en-US" sz="2000" dirty="0"/>
-            </a:br>
-            <a:endParaRPr lang="en-US" sz="1960" dirty="0"/>
-          </a:p>
-          <a:p>
-            <a:pPr algn="ctr"/>
-            <a:endParaRPr lang="en-US" sz="1960" dirty="0"/>
-          </a:p>
-          <a:p>
-            <a:pPr algn="ctr"/>
-            <a:endParaRPr lang="en-US" sz="1960" dirty="0"/>
-          </a:p>
-          <a:p>
-            <a:pPr algn="ctr"/>
-            <a:endParaRPr lang="en-US" sz="1960" dirty="0"/>
-          </a:p>
-          <a:p>
-            <a:pPr algn="ctr"/>
-            <a:endParaRPr lang="en-US" sz="1960" dirty="0"/>
-          </a:p>
-          <a:p>
-            <a:pPr algn="ctr"/>
-            <a:endParaRPr lang="en-US" sz="1960" dirty="0"/>
-          </a:p>
-          <a:p>
-            <a:pPr algn="ctr"/>
+              <a:t>the screen. </a:t>
+            </a:r>
+          </a:p>
+          <a:p>
+            <a:endParaRPr lang="en-US" sz="1960" dirty="0"/>
+          </a:p>
+          <a:p>
+            <a:endParaRPr lang="en-US" sz="1960" dirty="0"/>
+          </a:p>
+          <a:p>
+            <a:endParaRPr lang="en-US" sz="1960" dirty="0"/>
+          </a:p>
+          <a:p>
             <a:endParaRPr lang="en-US" sz="1960" dirty="0"/>
           </a:p>
           <a:p>
@@ -6641,12 +6463,6 @@
               <a:rPr lang="en-US" sz="1960" dirty="0"/>
               <a:t> </a:t>
             </a:r>
-          </a:p>
-          <a:p>
-            <a:endParaRPr lang="en-US" sz="1960" dirty="0"/>
-          </a:p>
-          <a:p>
-            <a:endParaRPr lang="en-US" sz="1960" dirty="0"/>
           </a:p>
           <a:p>
             <a:endParaRPr lang="en-US" sz="1960" dirty="0"/>
@@ -6698,7 +6514,7 @@
             <a:pPr algn="ctr"/>
             <a:r>
               <a:rPr lang="en-US" sz="4620" dirty="0"/>
-              <a:t>233</a:t>
+              <a:t>+</a:t>
             </a:r>
           </a:p>
           <a:p>
@@ -6722,7 +6538,7 @@
     </p:spTree>
     <p:extLst>
       <p:ext uri="{BB962C8B-B14F-4D97-AF65-F5344CB8AC3E}">
-        <p14:creationId xmlns:p14="http://schemas.microsoft.com/office/powerpoint/2010/main" val="4038567093"/>
+        <p14:creationId xmlns:p14="http://schemas.microsoft.com/office/powerpoint/2010/main" val="3435503052"/>
       </p:ext>
     </p:extLst>
   </p:cSld>
@@ -6773,8 +6589,8 @@
         </p:nvSpPr>
         <p:spPr>
           <a:xfrm>
-            <a:off x="853471" y="1116545"/>
-            <a:ext cx="7569893" cy="8156079"/>
+            <a:off x="823491" y="1387596"/>
+            <a:ext cx="4085349" cy="4530471"/>
           </a:xfrm>
           <a:prstGeom prst="rect">
             <a:avLst/>
@@ -6789,143 +6605,34 @@
           <a:p>
             <a:r>
               <a:rPr lang="en-US" sz="1960" dirty="0"/>
-              <a:t>For </a:t>
+              <a:t>Here is an example of a </a:t>
             </a:r>
             <a:r>
               <a:rPr lang="en-US" sz="1960" b="1" i="1" dirty="0">
                 <a:solidFill>
-                  <a:schemeClr val="accent2"/>
+                  <a:schemeClr val="accent1">
+                    <a:lumMod val="75000"/>
+                  </a:schemeClr>
                 </a:solidFill>
               </a:rPr>
-              <a:t>mismatching</a:t>
-            </a:r>
-            <a:r>
-              <a:rPr lang="en-US" sz="1960" b="1" dirty="0"/>
-              <a:t> </a:t>
+              <a:t>matching</a:t>
             </a:r>
             <a:r>
               <a:rPr lang="en-US" sz="1960" dirty="0"/>
-              <a:t>trials, the </a:t>
-            </a:r>
-            <a:r>
-              <a:rPr lang="en-US" sz="1960" b="1" dirty="0"/>
-              <a:t>position</a:t>
-            </a:r>
-            <a:r>
-              <a:rPr lang="en-US" sz="1960" dirty="0"/>
-              <a:t> of the </a:t>
-            </a:r>
-            <a:r>
-              <a:rPr lang="en-US" sz="1960" b="1" dirty="0"/>
-              <a:t>oddball</a:t>
-            </a:r>
-            <a:r>
-              <a:rPr lang="en-US" sz="1960" dirty="0"/>
-              <a:t> on the screen will </a:t>
-            </a:r>
-          </a:p>
-          <a:p>
-            <a:pPr rtl="0">
-              <a:spcBef>
-                <a:spcPts val="0"/>
-              </a:spcBef>
-              <a:spcAft>
-                <a:spcPts val="0"/>
-              </a:spcAft>
-            </a:pPr>
-            <a:r>
-              <a:rPr lang="en-US" sz="1960" dirty="0"/>
-              <a:t>be the </a:t>
-            </a:r>
-            <a:r>
-              <a:rPr lang="en-US" sz="1960" b="1" dirty="0"/>
-              <a:t>different </a:t>
-            </a:r>
-            <a:r>
-              <a:rPr lang="en-US" sz="1960" dirty="0"/>
-              <a:t> from the </a:t>
-            </a:r>
-            <a:r>
-              <a:rPr lang="en-US" sz="1960" b="1" dirty="0"/>
-              <a:t>location</a:t>
-            </a:r>
-            <a:r>
-              <a:rPr lang="en-US" sz="1960" dirty="0"/>
-              <a:t> of the key you must press: </a:t>
-            </a:r>
-          </a:p>
-          <a:p>
-            <a:endParaRPr lang="en-US" sz="1960" dirty="0"/>
-          </a:p>
-          <a:p>
-            <a:r>
-              <a:rPr lang="en-US" sz="1960" dirty="0"/>
-              <a:t>For example, here the number 2 is the oddball </a:t>
-            </a:r>
-            <a:r>
-              <a:rPr lang="en-US" sz="1960" b="1" i="1" dirty="0"/>
-              <a:t>BUT</a:t>
-            </a:r>
-            <a:r>
-              <a:rPr lang="en-US" sz="1960" b="1" dirty="0"/>
-              <a:t> </a:t>
-            </a:r>
-            <a:r>
-              <a:rPr lang="en-US" sz="1960" dirty="0"/>
-              <a:t>is in the first position</a:t>
-            </a:r>
-          </a:p>
-          <a:p>
-            <a:pPr rtl="0">
-              <a:spcBef>
-                <a:spcPts val="0"/>
-              </a:spcBef>
-              <a:spcAft>
-                <a:spcPts val="0"/>
-              </a:spcAft>
-            </a:pPr>
-            <a:endParaRPr lang="en-US" sz="1960" dirty="0"/>
-          </a:p>
-          <a:p>
-            <a:br>
-              <a:rPr lang="en-US" sz="2000" dirty="0"/>
-            </a:br>
-            <a:endParaRPr lang="en-US" sz="1960" dirty="0"/>
-          </a:p>
-          <a:p>
-            <a:pPr algn="ctr"/>
-            <a:endParaRPr lang="en-US" sz="1960" dirty="0"/>
-          </a:p>
-          <a:p>
-            <a:pPr algn="ctr"/>
-            <a:endParaRPr lang="en-US" sz="1960" dirty="0"/>
-          </a:p>
-          <a:p>
-            <a:pPr algn="ctr"/>
-            <a:endParaRPr lang="en-US" sz="1960" dirty="0"/>
-          </a:p>
-          <a:p>
-            <a:pPr algn="ctr"/>
-            <a:endParaRPr lang="en-US" sz="1960" dirty="0"/>
-          </a:p>
-          <a:p>
-            <a:pPr algn="ctr"/>
-            <a:endParaRPr lang="en-US" sz="1960" dirty="0"/>
-          </a:p>
-          <a:p>
-            <a:pPr algn="ctr"/>
-            <a:endParaRPr lang="en-US" sz="1960" dirty="0"/>
-          </a:p>
-          <a:p>
-            <a:pPr algn="ctr"/>
-            <a:endParaRPr lang="en-US" sz="1960" dirty="0"/>
-          </a:p>
-          <a:p>
-            <a:pPr algn="ctr"/>
-            <a:r>
-              <a:rPr lang="en-US" sz="1960" dirty="0"/>
-              <a:t>	(The correct response is to press 2)  </a:t>
-            </a:r>
+              <a:t> trial.</a:t>
+            </a:r>
+          </a:p>
+          <a:p>
+            <a:endParaRPr lang="en-US" sz="1960" dirty="0"/>
+          </a:p>
+          <a:p>
+            <a:endParaRPr lang="en-US" sz="1960" dirty="0"/>
+          </a:p>
+          <a:p>
+            <a:endParaRPr lang="en-US" sz="1960" dirty="0"/>
+          </a:p>
+          <a:p>
+            <a:endParaRPr lang="en-US" sz="1960" dirty="0"/>
           </a:p>
           <a:p>
             <a:pPr algn="ctr"/>
@@ -6951,12 +6658,6 @@
               <a:rPr lang="en-US" sz="1960" dirty="0"/>
               <a:t> </a:t>
             </a:r>
-          </a:p>
-          <a:p>
-            <a:endParaRPr lang="en-US" sz="1960" dirty="0"/>
-          </a:p>
-          <a:p>
-            <a:endParaRPr lang="en-US" sz="1960" dirty="0"/>
           </a:p>
           <a:p>
             <a:endParaRPr lang="en-US" sz="1960" dirty="0"/>
@@ -7008,7 +6709,7 @@
             <a:pPr algn="ctr"/>
             <a:r>
               <a:rPr lang="en-US" sz="4620" dirty="0"/>
-              <a:t>233</a:t>
+              <a:t>+</a:t>
             </a:r>
           </a:p>
           <a:p>
@@ -7029,285 +6730,10 @@
           </a:p>
         </p:txBody>
       </p:sp>
-      <p:grpSp>
-        <p:nvGrpSpPr>
-          <p:cNvPr id="4" name="Group 3">
-            <a:extLst>
-              <a:ext uri="{FF2B5EF4-FFF2-40B4-BE49-F238E27FC236}">
-                <a16:creationId xmlns:a16="http://schemas.microsoft.com/office/drawing/2014/main" id="{6F63BE48-7EA6-47F0-9ACF-181D94B458EC}"/>
-              </a:ext>
-            </a:extLst>
-          </p:cNvPr>
-          <p:cNvGrpSpPr/>
-          <p:nvPr/>
-        </p:nvGrpSpPr>
-        <p:grpSpPr>
-          <a:xfrm>
-            <a:off x="6979492" y="4823982"/>
-            <a:ext cx="1874520" cy="1271016"/>
-            <a:chOff x="-632648" y="1704364"/>
-            <a:chExt cx="7013251" cy="6335081"/>
-          </a:xfrm>
-        </p:grpSpPr>
-        <p:grpSp>
-          <p:nvGrpSpPr>
-            <p:cNvPr id="5" name="Group 4">
-              <a:extLst>
-                <a:ext uri="{FF2B5EF4-FFF2-40B4-BE49-F238E27FC236}">
-                  <a16:creationId xmlns:a16="http://schemas.microsoft.com/office/drawing/2014/main" id="{EB407000-E74E-40A4-9140-68E379B6877A}"/>
-                </a:ext>
-              </a:extLst>
-            </p:cNvPr>
-            <p:cNvGrpSpPr/>
-            <p:nvPr/>
-          </p:nvGrpSpPr>
-          <p:grpSpPr>
-            <a:xfrm>
-              <a:off x="-632648" y="2429030"/>
-              <a:ext cx="7013251" cy="5610415"/>
-              <a:chOff x="-1636348" y="436729"/>
-              <a:chExt cx="12070680" cy="8610417"/>
-            </a:xfrm>
-          </p:grpSpPr>
-          <p:pic>
-            <p:nvPicPr>
-              <p:cNvPr id="10" name="Picture 9" descr="A close up of a computer keyboard&#10;&#10;Description automatically generated">
-                <a:extLst>
-                  <a:ext uri="{FF2B5EF4-FFF2-40B4-BE49-F238E27FC236}">
-                    <a16:creationId xmlns:a16="http://schemas.microsoft.com/office/drawing/2014/main" id="{957CAE1E-FD41-4000-AA52-00F8523C834A}"/>
-                  </a:ext>
-                </a:extLst>
-              </p:cNvPr>
-              <p:cNvPicPr>
-                <a:picLocks noChangeAspect="1"/>
-              </p:cNvPicPr>
-              <p:nvPr/>
-            </p:nvPicPr>
-            <p:blipFill rotWithShape="1">
-              <a:blip r:embed="rId3">
-                <a:extLst>
-                  <a:ext uri="{28A0092B-C50C-407E-A947-70E740481C1C}">
-                    <a14:useLocalDpi xmlns:a14="http://schemas.microsoft.com/office/drawing/2010/main" val="0"/>
-                  </a:ext>
-                </a:extLst>
-              </a:blip>
-              <a:srcRect l="20910" t="29433" r="49218" b="57839"/>
-              <a:stretch/>
-            </p:blipFill>
-            <p:spPr>
-              <a:xfrm>
-                <a:off x="2113043" y="774788"/>
-                <a:ext cx="5258139" cy="1623319"/>
-              </a:xfrm>
-              <a:prstGeom prst="roundRect">
-                <a:avLst/>
-              </a:prstGeom>
-            </p:spPr>
-          </p:pic>
-          <p:pic>
-            <p:nvPicPr>
-              <p:cNvPr id="11" name="Picture 10" descr="A picture containing clip, black, light, white&#10;&#10;Description automatically generated">
-                <a:extLst>
-                  <a:ext uri="{FF2B5EF4-FFF2-40B4-BE49-F238E27FC236}">
-                    <a16:creationId xmlns:a16="http://schemas.microsoft.com/office/drawing/2014/main" id="{60113C21-6C3B-4E6A-B29B-108F34795893}"/>
-                  </a:ext>
-                </a:extLst>
-              </p:cNvPr>
-              <p:cNvPicPr>
-                <a:picLocks noChangeAspect="1"/>
-              </p:cNvPicPr>
-              <p:nvPr/>
-            </p:nvPicPr>
-            <p:blipFill>
-              <a:blip r:embed="rId4">
-                <a:extLst>
-                  <a:ext uri="{28A0092B-C50C-407E-A947-70E740481C1C}">
-                    <a14:useLocalDpi xmlns:a14="http://schemas.microsoft.com/office/drawing/2010/main" val="0"/>
-                  </a:ext>
-                </a:extLst>
-              </a:blip>
-              <a:stretch>
-                <a:fillRect/>
-              </a:stretch>
-            </p:blipFill>
-            <p:spPr>
-              <a:xfrm>
-                <a:off x="-1636348" y="436729"/>
-                <a:ext cx="12070680" cy="8610417"/>
-              </a:xfrm>
-              <a:prstGeom prst="rect">
-                <a:avLst/>
-              </a:prstGeom>
-            </p:spPr>
-          </p:pic>
-        </p:grpSp>
-        <p:sp>
-          <p:nvSpPr>
-            <p:cNvPr id="7" name="Rectangle 6">
-              <a:extLst>
-                <a:ext uri="{FF2B5EF4-FFF2-40B4-BE49-F238E27FC236}">
-                  <a16:creationId xmlns:a16="http://schemas.microsoft.com/office/drawing/2014/main" id="{5A3DE90C-9E66-41C4-BC2A-44696115993E}"/>
-                </a:ext>
-              </a:extLst>
-            </p:cNvPr>
-            <p:cNvSpPr/>
-            <p:nvPr/>
-          </p:nvSpPr>
-          <p:spPr>
-            <a:xfrm rot="12977664">
-              <a:off x="1901943" y="2178506"/>
-              <a:ext cx="561473" cy="174661"/>
-            </a:xfrm>
-            <a:prstGeom prst="rect">
-              <a:avLst/>
-            </a:prstGeom>
-            <a:solidFill>
-              <a:schemeClr val="tx1"/>
-            </a:solidFill>
-            <a:ln>
-              <a:solidFill>
-                <a:schemeClr val="tx1"/>
-              </a:solidFill>
-            </a:ln>
-          </p:spPr>
-          <p:style>
-            <a:lnRef idx="2">
-              <a:schemeClr val="accent1">
-                <a:shade val="50000"/>
-              </a:schemeClr>
-            </a:lnRef>
-            <a:fillRef idx="1">
-              <a:schemeClr val="accent1"/>
-            </a:fillRef>
-            <a:effectRef idx="0">
-              <a:schemeClr val="accent1"/>
-            </a:effectRef>
-            <a:fontRef idx="minor">
-              <a:schemeClr val="lt1"/>
-            </a:fontRef>
-          </p:style>
-          <p:txBody>
-            <a:bodyPr rtlCol="0" anchor="ctr"/>
-            <a:lstStyle/>
-            <a:p>
-              <a:pPr algn="ctr"/>
-              <a:endParaRPr lang="en-US"/>
-            </a:p>
-          </p:txBody>
-        </p:sp>
-        <p:sp>
-          <p:nvSpPr>
-            <p:cNvPr id="8" name="Rectangle 7">
-              <a:extLst>
-                <a:ext uri="{FF2B5EF4-FFF2-40B4-BE49-F238E27FC236}">
-                  <a16:creationId xmlns:a16="http://schemas.microsoft.com/office/drawing/2014/main" id="{1AE0661A-B7D5-42D7-B34C-89F1D080C56D}"/>
-                </a:ext>
-              </a:extLst>
-            </p:cNvPr>
-            <p:cNvSpPr/>
-            <p:nvPr/>
-          </p:nvSpPr>
-          <p:spPr>
-            <a:xfrm rot="5400000">
-              <a:off x="2593242" y="1897770"/>
-              <a:ext cx="561473" cy="174661"/>
-            </a:xfrm>
-            <a:prstGeom prst="rect">
-              <a:avLst/>
-            </a:prstGeom>
-            <a:solidFill>
-              <a:schemeClr val="tx1"/>
-            </a:solidFill>
-            <a:ln>
-              <a:solidFill>
-                <a:schemeClr val="tx1"/>
-              </a:solidFill>
-            </a:ln>
-          </p:spPr>
-          <p:style>
-            <a:lnRef idx="2">
-              <a:schemeClr val="accent1">
-                <a:shade val="50000"/>
-              </a:schemeClr>
-            </a:lnRef>
-            <a:fillRef idx="1">
-              <a:schemeClr val="accent1"/>
-            </a:fillRef>
-            <a:effectRef idx="0">
-              <a:schemeClr val="accent1"/>
-            </a:effectRef>
-            <a:fontRef idx="minor">
-              <a:schemeClr val="lt1"/>
-            </a:fontRef>
-          </p:style>
-          <p:txBody>
-            <a:bodyPr rtlCol="0" anchor="ctr"/>
-            <a:lstStyle/>
-            <a:p>
-              <a:pPr algn="ctr"/>
-              <a:endParaRPr lang="en-US"/>
-            </a:p>
-          </p:txBody>
-        </p:sp>
-        <p:sp>
-          <p:nvSpPr>
-            <p:cNvPr id="9" name="Rectangle 8">
-              <a:extLst>
-                <a:ext uri="{FF2B5EF4-FFF2-40B4-BE49-F238E27FC236}">
-                  <a16:creationId xmlns:a16="http://schemas.microsoft.com/office/drawing/2014/main" id="{D4AF80EE-3A50-46EA-91C1-7199C475B6B9}"/>
-                </a:ext>
-              </a:extLst>
-            </p:cNvPr>
-            <p:cNvSpPr/>
-            <p:nvPr/>
-          </p:nvSpPr>
-          <p:spPr>
-            <a:xfrm rot="8596589">
-              <a:off x="3318776" y="2108088"/>
-              <a:ext cx="561473" cy="174661"/>
-            </a:xfrm>
-            <a:prstGeom prst="rect">
-              <a:avLst/>
-            </a:prstGeom>
-            <a:solidFill>
-              <a:schemeClr val="tx1"/>
-            </a:solidFill>
-            <a:ln>
-              <a:solidFill>
-                <a:schemeClr val="tx1"/>
-              </a:solidFill>
-            </a:ln>
-          </p:spPr>
-          <p:style>
-            <a:lnRef idx="2">
-              <a:schemeClr val="accent1">
-                <a:shade val="50000"/>
-              </a:schemeClr>
-            </a:lnRef>
-            <a:fillRef idx="1">
-              <a:schemeClr val="accent1"/>
-            </a:fillRef>
-            <a:effectRef idx="0">
-              <a:schemeClr val="accent1"/>
-            </a:effectRef>
-            <a:fontRef idx="minor">
-              <a:schemeClr val="lt1"/>
-            </a:fontRef>
-          </p:style>
-          <p:txBody>
-            <a:bodyPr rtlCol="0" anchor="ctr"/>
-            <a:lstStyle/>
-            <a:p>
-              <a:pPr algn="ctr"/>
-              <a:endParaRPr lang="en-US"/>
-            </a:p>
-          </p:txBody>
-        </p:sp>
-      </p:grpSp>
     </p:spTree>
     <p:extLst>
       <p:ext uri="{BB962C8B-B14F-4D97-AF65-F5344CB8AC3E}">
-        <p14:creationId xmlns:p14="http://schemas.microsoft.com/office/powerpoint/2010/main" val="2386791414"/>
+        <p14:creationId xmlns:p14="http://schemas.microsoft.com/office/powerpoint/2010/main" val="2862886711"/>
       </p:ext>
     </p:extLst>
   </p:cSld>
@@ -7359,388 +6785,6 @@
         <p:spPr>
           <a:xfrm>
             <a:off x="823491" y="1387596"/>
-            <a:ext cx="7004097" cy="4832092"/>
-          </a:xfrm>
-          <a:prstGeom prst="rect">
-            <a:avLst/>
-          </a:prstGeom>
-          <a:noFill/>
-        </p:spPr>
-        <p:txBody>
-          <a:bodyPr wrap="none" rtlCol="0">
-            <a:spAutoFit/>
-          </a:bodyPr>
-          <a:lstStyle/>
-          <a:p>
-            <a:r>
-              <a:rPr lang="en-US" sz="1960" dirty="0"/>
-              <a:t>The “+” indicates the start of a new trial that is about to appear on </a:t>
-            </a:r>
-          </a:p>
-          <a:p>
-            <a:r>
-              <a:rPr lang="en-US" sz="1960" dirty="0"/>
-              <a:t>the screen. </a:t>
-            </a:r>
-          </a:p>
-          <a:p>
-            <a:endParaRPr lang="en-US" sz="1960" dirty="0"/>
-          </a:p>
-          <a:p>
-            <a:endParaRPr lang="en-US" sz="1960" dirty="0"/>
-          </a:p>
-          <a:p>
-            <a:endParaRPr lang="en-US" sz="1960" dirty="0"/>
-          </a:p>
-          <a:p>
-            <a:endParaRPr lang="en-US" sz="1960" dirty="0"/>
-          </a:p>
-          <a:p>
-            <a:pPr algn="ctr"/>
-            <a:endParaRPr lang="en-US" sz="1960" dirty="0"/>
-          </a:p>
-          <a:p>
-            <a:pPr algn="ctr"/>
-            <a:endParaRPr lang="en-US" sz="4620" dirty="0"/>
-          </a:p>
-          <a:p>
-            <a:pPr algn="ctr"/>
-            <a:endParaRPr lang="en-US" sz="4620" dirty="0"/>
-          </a:p>
-          <a:p>
-            <a:pPr algn="ctr"/>
-            <a:endParaRPr lang="en-US" sz="1960" dirty="0"/>
-          </a:p>
-          <a:p>
-            <a:endParaRPr lang="en-US" sz="1960" dirty="0"/>
-          </a:p>
-          <a:p>
-            <a:r>
-              <a:rPr lang="en-US" sz="1960" dirty="0"/>
-              <a:t> </a:t>
-            </a:r>
-          </a:p>
-          <a:p>
-            <a:endParaRPr lang="en-US" sz="1960" dirty="0"/>
-          </a:p>
-        </p:txBody>
-      </p:sp>
-      <p:sp>
-        <p:nvSpPr>
-          <p:cNvPr id="6" name="Tekstvak 5">
-            <a:extLst>
-              <a:ext uri="{FF2B5EF4-FFF2-40B4-BE49-F238E27FC236}">
-                <a16:creationId xmlns:a16="http://schemas.microsoft.com/office/drawing/2014/main" id="{A7D3FBCB-F6A3-4FA7-A179-58C1665B6DFD}"/>
-              </a:ext>
-            </a:extLst>
-          </p:cNvPr>
-          <p:cNvSpPr txBox="1"/>
-          <p:nvPr/>
-        </p:nvSpPr>
-        <p:spPr>
-          <a:xfrm>
-            <a:off x="2127358" y="2369611"/>
-            <a:ext cx="4889283" cy="2914644"/>
-          </a:xfrm>
-          <a:prstGeom prst="rect">
-            <a:avLst/>
-          </a:prstGeom>
-          <a:solidFill>
-            <a:schemeClr val="bg1"/>
-          </a:solidFill>
-        </p:spPr>
-        <p:txBody>
-          <a:bodyPr wrap="square" rtlCol="0">
-            <a:spAutoFit/>
-          </a:bodyPr>
-          <a:lstStyle/>
-          <a:p>
-            <a:pPr algn="ctr"/>
-            <a:endParaRPr lang="en-US" sz="1960" dirty="0"/>
-          </a:p>
-          <a:p>
-            <a:pPr algn="ctr"/>
-            <a:endParaRPr lang="en-US" sz="1960" dirty="0"/>
-          </a:p>
-          <a:p>
-            <a:pPr algn="ctr"/>
-            <a:endParaRPr lang="en-US" sz="1960" dirty="0"/>
-          </a:p>
-          <a:p>
-            <a:pPr algn="ctr"/>
-            <a:r>
-              <a:rPr lang="en-US" sz="4620" dirty="0"/>
-              <a:t>+</a:t>
-            </a:r>
-          </a:p>
-          <a:p>
-            <a:pPr algn="ctr"/>
-            <a:endParaRPr lang="en-US" sz="1960" dirty="0"/>
-          </a:p>
-          <a:p>
-            <a:endParaRPr lang="en-US" sz="1960" dirty="0"/>
-          </a:p>
-          <a:p>
-            <a:r>
-              <a:rPr lang="en-US" sz="1960" dirty="0"/>
-              <a:t> </a:t>
-            </a:r>
-          </a:p>
-          <a:p>
-            <a:endParaRPr lang="en-US" sz="1960" dirty="0"/>
-          </a:p>
-        </p:txBody>
-      </p:sp>
-    </p:spTree>
-    <p:extLst>
-      <p:ext uri="{BB962C8B-B14F-4D97-AF65-F5344CB8AC3E}">
-        <p14:creationId xmlns:p14="http://schemas.microsoft.com/office/powerpoint/2010/main" val="3435503052"/>
-      </p:ext>
-    </p:extLst>
-  </p:cSld>
-  <p:clrMapOvr>
-    <a:masterClrMapping/>
-  </p:clrMapOvr>
-</p:sld>
-</file>
-
-<file path=ppt/slides/slide13.xml><?xml version="1.0" encoding="utf-8"?>
-<p:sld xmlns:a="http://schemas.openxmlformats.org/drawingml/2006/main" xmlns:r="http://schemas.openxmlformats.org/officeDocument/2006/relationships" xmlns:p="http://schemas.openxmlformats.org/presentationml/2006/main">
-  <p:cSld>
-    <p:bg>
-      <p:bgPr>
-        <a:solidFill>
-          <a:schemeClr val="bg2">
-            <a:lumMod val="75000"/>
-          </a:schemeClr>
-        </a:solidFill>
-        <a:effectLst/>
-      </p:bgPr>
-    </p:bg>
-    <p:spTree>
-      <p:nvGrpSpPr>
-        <p:cNvPr id="1" name=""/>
-        <p:cNvGrpSpPr/>
-        <p:nvPr/>
-      </p:nvGrpSpPr>
-      <p:grpSpPr>
-        <a:xfrm>
-          <a:off x="0" y="0"/>
-          <a:ext cx="0" cy="0"/>
-          <a:chOff x="0" y="0"/>
-          <a:chExt cx="0" cy="0"/>
-        </a:xfrm>
-      </p:grpSpPr>
-      <p:sp>
-        <p:nvSpPr>
-          <p:cNvPr id="3" name="Tekstvak 5">
-            <a:extLst>
-              <a:ext uri="{FF2B5EF4-FFF2-40B4-BE49-F238E27FC236}">
-                <a16:creationId xmlns:a16="http://schemas.microsoft.com/office/drawing/2014/main" id="{BF228A72-8E27-4D93-959C-DF1E03FD1657}"/>
-              </a:ext>
-            </a:extLst>
-          </p:cNvPr>
-          <p:cNvSpPr txBox="1"/>
-          <p:nvPr/>
-        </p:nvSpPr>
-        <p:spPr>
-          <a:xfrm>
-            <a:off x="823491" y="1387596"/>
-            <a:ext cx="4085349" cy="4530471"/>
-          </a:xfrm>
-          <a:prstGeom prst="rect">
-            <a:avLst/>
-          </a:prstGeom>
-          <a:noFill/>
-        </p:spPr>
-        <p:txBody>
-          <a:bodyPr wrap="none" rtlCol="0">
-            <a:spAutoFit/>
-          </a:bodyPr>
-          <a:lstStyle/>
-          <a:p>
-            <a:r>
-              <a:rPr lang="en-US" sz="1960" dirty="0"/>
-              <a:t>Here is an example of a </a:t>
-            </a:r>
-            <a:r>
-              <a:rPr lang="en-US" sz="1960" b="1" i="1" dirty="0">
-                <a:solidFill>
-                  <a:schemeClr val="accent1">
-                    <a:lumMod val="75000"/>
-                  </a:schemeClr>
-                </a:solidFill>
-              </a:rPr>
-              <a:t>matching</a:t>
-            </a:r>
-            <a:r>
-              <a:rPr lang="en-US" sz="1960" dirty="0"/>
-              <a:t> trial.</a:t>
-            </a:r>
-          </a:p>
-          <a:p>
-            <a:endParaRPr lang="en-US" sz="1960" dirty="0"/>
-          </a:p>
-          <a:p>
-            <a:endParaRPr lang="en-US" sz="1960" dirty="0"/>
-          </a:p>
-          <a:p>
-            <a:endParaRPr lang="en-US" sz="1960" dirty="0"/>
-          </a:p>
-          <a:p>
-            <a:endParaRPr lang="en-US" sz="1960" dirty="0"/>
-          </a:p>
-          <a:p>
-            <a:pPr algn="ctr"/>
-            <a:endParaRPr lang="en-US" sz="1960" dirty="0"/>
-          </a:p>
-          <a:p>
-            <a:pPr algn="ctr"/>
-            <a:endParaRPr lang="en-US" sz="4620" dirty="0"/>
-          </a:p>
-          <a:p>
-            <a:pPr algn="ctr"/>
-            <a:endParaRPr lang="en-US" sz="4620" dirty="0"/>
-          </a:p>
-          <a:p>
-            <a:pPr algn="ctr"/>
-            <a:endParaRPr lang="en-US" sz="1960" dirty="0"/>
-          </a:p>
-          <a:p>
-            <a:endParaRPr lang="en-US" sz="1960" dirty="0"/>
-          </a:p>
-          <a:p>
-            <a:r>
-              <a:rPr lang="en-US" sz="1960" dirty="0"/>
-              <a:t> </a:t>
-            </a:r>
-          </a:p>
-          <a:p>
-            <a:endParaRPr lang="en-US" sz="1960" dirty="0"/>
-          </a:p>
-        </p:txBody>
-      </p:sp>
-      <p:sp>
-        <p:nvSpPr>
-          <p:cNvPr id="6" name="Tekstvak 5">
-            <a:extLst>
-              <a:ext uri="{FF2B5EF4-FFF2-40B4-BE49-F238E27FC236}">
-                <a16:creationId xmlns:a16="http://schemas.microsoft.com/office/drawing/2014/main" id="{A7D3FBCB-F6A3-4FA7-A179-58C1665B6DFD}"/>
-              </a:ext>
-            </a:extLst>
-          </p:cNvPr>
-          <p:cNvSpPr txBox="1"/>
-          <p:nvPr/>
-        </p:nvSpPr>
-        <p:spPr>
-          <a:xfrm>
-            <a:off x="2127358" y="2369611"/>
-            <a:ext cx="4889283" cy="2914644"/>
-          </a:xfrm>
-          <a:prstGeom prst="rect">
-            <a:avLst/>
-          </a:prstGeom>
-          <a:solidFill>
-            <a:schemeClr val="bg1"/>
-          </a:solidFill>
-        </p:spPr>
-        <p:txBody>
-          <a:bodyPr wrap="square" rtlCol="0">
-            <a:spAutoFit/>
-          </a:bodyPr>
-          <a:lstStyle/>
-          <a:p>
-            <a:pPr algn="ctr"/>
-            <a:endParaRPr lang="en-US" sz="1960" dirty="0"/>
-          </a:p>
-          <a:p>
-            <a:pPr algn="ctr"/>
-            <a:endParaRPr lang="en-US" sz="1960" dirty="0"/>
-          </a:p>
-          <a:p>
-            <a:pPr algn="ctr"/>
-            <a:endParaRPr lang="en-US" sz="1960" dirty="0"/>
-          </a:p>
-          <a:p>
-            <a:pPr algn="ctr"/>
-            <a:r>
-              <a:rPr lang="en-US" sz="4620" dirty="0"/>
-              <a:t>+</a:t>
-            </a:r>
-          </a:p>
-          <a:p>
-            <a:pPr algn="ctr"/>
-            <a:endParaRPr lang="en-US" sz="1960" dirty="0"/>
-          </a:p>
-          <a:p>
-            <a:endParaRPr lang="en-US" sz="1960" dirty="0"/>
-          </a:p>
-          <a:p>
-            <a:r>
-              <a:rPr lang="en-US" sz="1960" dirty="0"/>
-              <a:t> </a:t>
-            </a:r>
-          </a:p>
-          <a:p>
-            <a:endParaRPr lang="en-US" sz="1960" dirty="0"/>
-          </a:p>
-        </p:txBody>
-      </p:sp>
-    </p:spTree>
-    <p:extLst>
-      <p:ext uri="{BB962C8B-B14F-4D97-AF65-F5344CB8AC3E}">
-        <p14:creationId xmlns:p14="http://schemas.microsoft.com/office/powerpoint/2010/main" val="2862886711"/>
-      </p:ext>
-    </p:extLst>
-  </p:cSld>
-  <p:clrMapOvr>
-    <a:masterClrMapping/>
-  </p:clrMapOvr>
-</p:sld>
-</file>
-
-<file path=ppt/slides/slide14.xml><?xml version="1.0" encoding="utf-8"?>
-<p:sld xmlns:a="http://schemas.openxmlformats.org/drawingml/2006/main" xmlns:r="http://schemas.openxmlformats.org/officeDocument/2006/relationships" xmlns:p="http://schemas.openxmlformats.org/presentationml/2006/main">
-  <p:cSld>
-    <p:bg>
-      <p:bgPr>
-        <a:solidFill>
-          <a:schemeClr val="bg2">
-            <a:lumMod val="75000"/>
-          </a:schemeClr>
-        </a:solidFill>
-        <a:effectLst/>
-      </p:bgPr>
-    </p:bg>
-    <p:spTree>
-      <p:nvGrpSpPr>
-        <p:cNvPr id="1" name=""/>
-        <p:cNvGrpSpPr/>
-        <p:nvPr/>
-      </p:nvGrpSpPr>
-      <p:grpSpPr>
-        <a:xfrm>
-          <a:off x="0" y="0"/>
-          <a:ext cx="0" cy="0"/>
-          <a:chOff x="0" y="0"/>
-          <a:chExt cx="0" cy="0"/>
-        </a:xfrm>
-      </p:grpSpPr>
-      <p:sp>
-        <p:nvSpPr>
-          <p:cNvPr id="3" name="Tekstvak 5">
-            <a:extLst>
-              <a:ext uri="{FF2B5EF4-FFF2-40B4-BE49-F238E27FC236}">
-                <a16:creationId xmlns:a16="http://schemas.microsoft.com/office/drawing/2014/main" id="{BF228A72-8E27-4D93-959C-DF1E03FD1657}"/>
-              </a:ext>
-            </a:extLst>
-          </p:cNvPr>
-          <p:cNvSpPr txBox="1"/>
-          <p:nvPr/>
-        </p:nvSpPr>
-        <p:spPr>
-          <a:xfrm>
-            <a:off x="823491" y="1387596"/>
             <a:ext cx="4105932" cy="5133713"/>
           </a:xfrm>
           <a:prstGeom prst="rect">
@@ -7900,7 +6944,7 @@
 </p:sld>
 </file>
 
-<file path=ppt/slides/slide15.xml><?xml version="1.0" encoding="utf-8"?>
+<file path=ppt/slides/slide13.xml><?xml version="1.0" encoding="utf-8"?>
 <p:sld xmlns:a="http://schemas.openxmlformats.org/drawingml/2006/main" xmlns:r="http://schemas.openxmlformats.org/officeDocument/2006/relationships" xmlns:p="http://schemas.openxmlformats.org/presentationml/2006/main">
   <p:cSld>
     <p:bg>
@@ -8379,7 +7423,7 @@
 </p:sld>
 </file>
 
-<file path=ppt/slides/slide16.xml><?xml version="1.0" encoding="utf-8"?>
+<file path=ppt/slides/slide14.xml><?xml version="1.0" encoding="utf-8"?>
 <p:sld xmlns:a="http://schemas.openxmlformats.org/drawingml/2006/main" xmlns:r="http://schemas.openxmlformats.org/officeDocument/2006/relationships" xmlns:p="http://schemas.openxmlformats.org/presentationml/2006/main">
   <p:cSld>
     <p:bg>
@@ -8574,7 +7618,7 @@
 </p:sld>
 </file>
 
-<file path=ppt/slides/slide17.xml><?xml version="1.0" encoding="utf-8"?>
+<file path=ppt/slides/slide15.xml><?xml version="1.0" encoding="utf-8"?>
 <p:sld xmlns:a="http://schemas.openxmlformats.org/drawingml/2006/main" xmlns:r="http://schemas.openxmlformats.org/officeDocument/2006/relationships" xmlns:p="http://schemas.openxmlformats.org/presentationml/2006/main">
   <p:cSld>
     <p:bg>
@@ -8775,7 +7819,7 @@
 </p:sld>
 </file>
 
-<file path=ppt/slides/slide18.xml><?xml version="1.0" encoding="utf-8"?>
+<file path=ppt/slides/slide16.xml><?xml version="1.0" encoding="utf-8"?>
 <p:sld xmlns:a="http://schemas.openxmlformats.org/drawingml/2006/main" xmlns:r="http://schemas.openxmlformats.org/officeDocument/2006/relationships" xmlns:p="http://schemas.openxmlformats.org/presentationml/2006/main">
   <p:cSld>
     <p:bg>
@@ -9251,7 +8295,7 @@
 </p:sld>
 </file>
 
-<file path=ppt/slides/slide19.xml><?xml version="1.0" encoding="utf-8"?>
+<file path=ppt/slides/slide17.xml><?xml version="1.0" encoding="utf-8"?>
 <p:sld xmlns:a="http://schemas.openxmlformats.org/drawingml/2006/main" xmlns:r="http://schemas.openxmlformats.org/officeDocument/2006/relationships" xmlns:p="http://schemas.openxmlformats.org/presentationml/2006/main">
   <p:cSld>
     <p:bg>
@@ -9446,7 +8490,7 @@
 </p:sld>
 </file>
 
-<file path=ppt/slides/slide2.xml><?xml version="1.0" encoding="utf-8"?>
+<file path=ppt/slides/slide18.xml><?xml version="1.0" encoding="utf-8"?>
 <p:sld xmlns:a="http://schemas.openxmlformats.org/drawingml/2006/main" xmlns:r="http://schemas.openxmlformats.org/officeDocument/2006/relationships" xmlns:p="http://schemas.openxmlformats.org/presentationml/2006/main">
   <p:cSld>
     <p:bg>
@@ -9487,102 +8531,6 @@
         </p:nvSpPr>
         <p:spPr>
           <a:xfrm>
-            <a:off x="1120434" y="1587163"/>
-            <a:ext cx="5923545" cy="2203680"/>
-          </a:xfrm>
-          <a:prstGeom prst="rect">
-            <a:avLst/>
-          </a:prstGeom>
-          <a:noFill/>
-        </p:spPr>
-        <p:txBody>
-          <a:bodyPr wrap="none" rtlCol="0">
-            <a:spAutoFit/>
-          </a:bodyPr>
-          <a:lstStyle/>
-          <a:p>
-            <a:r>
-              <a:rPr lang="en-US" sz="1960" dirty="0"/>
-              <a:t>In this task, you will see a set of three symbols. </a:t>
-            </a:r>
-          </a:p>
-          <a:p>
-            <a:endParaRPr lang="en-US" sz="1960" dirty="0"/>
-          </a:p>
-          <a:p>
-            <a:r>
-              <a:rPr lang="en-US" sz="1960" dirty="0"/>
-              <a:t>These symbols can be the number 1, 2, 3 or the letter X. </a:t>
-            </a:r>
-          </a:p>
-          <a:p>
-            <a:endParaRPr lang="en-US" sz="1960" dirty="0"/>
-          </a:p>
-          <a:p>
-            <a:endParaRPr lang="en-US" sz="1960" dirty="0"/>
-          </a:p>
-          <a:p>
-            <a:endParaRPr lang="en-US" sz="1960" dirty="0"/>
-          </a:p>
-          <a:p>
-            <a:endParaRPr lang="en-US" sz="1960" dirty="0"/>
-          </a:p>
-        </p:txBody>
-      </p:sp>
-    </p:spTree>
-    <p:extLst>
-      <p:ext uri="{BB962C8B-B14F-4D97-AF65-F5344CB8AC3E}">
-        <p14:creationId xmlns:p14="http://schemas.microsoft.com/office/powerpoint/2010/main" val="846283936"/>
-      </p:ext>
-    </p:extLst>
-  </p:cSld>
-  <p:clrMapOvr>
-    <a:masterClrMapping/>
-  </p:clrMapOvr>
-</p:sld>
-</file>
-
-<file path=ppt/slides/slide20.xml><?xml version="1.0" encoding="utf-8"?>
-<p:sld xmlns:a="http://schemas.openxmlformats.org/drawingml/2006/main" xmlns:r="http://schemas.openxmlformats.org/officeDocument/2006/relationships" xmlns:p="http://schemas.openxmlformats.org/presentationml/2006/main">
-  <p:cSld>
-    <p:bg>
-      <p:bgPr>
-        <a:solidFill>
-          <a:schemeClr val="bg2">
-            <a:lumMod val="75000"/>
-          </a:schemeClr>
-        </a:solidFill>
-        <a:effectLst/>
-      </p:bgPr>
-    </p:bg>
-    <p:spTree>
-      <p:nvGrpSpPr>
-        <p:cNvPr id="1" name=""/>
-        <p:cNvGrpSpPr/>
-        <p:nvPr/>
-      </p:nvGrpSpPr>
-      <p:grpSpPr>
-        <a:xfrm>
-          <a:off x="0" y="0"/>
-          <a:ext cx="0" cy="0"/>
-          <a:chOff x="0" y="0"/>
-          <a:chExt cx="0" cy="0"/>
-        </a:xfrm>
-      </p:grpSpPr>
-      <p:sp>
-        <p:nvSpPr>
-          <p:cNvPr id="3" name="Tekstvak 5">
-            <a:extLst>
-              <a:ext uri="{FF2B5EF4-FFF2-40B4-BE49-F238E27FC236}">
-                <a16:creationId xmlns:a16="http://schemas.microsoft.com/office/drawing/2014/main" id="{BF228A72-8E27-4D93-959C-DF1E03FD1657}"/>
-              </a:ext>
-            </a:extLst>
-          </p:cNvPr>
-          <p:cNvSpPr txBox="1"/>
-          <p:nvPr/>
-        </p:nvSpPr>
-        <p:spPr>
-          <a:xfrm>
             <a:off x="823491" y="1387596"/>
             <a:ext cx="4105932" cy="5133713"/>
           </a:xfrm>
@@ -9743,7 +8691,7 @@
 </p:sld>
 </file>
 
-<file path=ppt/slides/slide21.xml><?xml version="1.0" encoding="utf-8"?>
+<file path=ppt/slides/slide19.xml><?xml version="1.0" encoding="utf-8"?>
 <p:sld xmlns:a="http://schemas.openxmlformats.org/drawingml/2006/main" xmlns:r="http://schemas.openxmlformats.org/officeDocument/2006/relationships" xmlns:p="http://schemas.openxmlformats.org/presentationml/2006/main">
   <p:cSld>
     <p:bg>
@@ -10210,6 +9158,968 @@
     <p:extLst>
       <p:ext uri="{BB962C8B-B14F-4D97-AF65-F5344CB8AC3E}">
         <p14:creationId xmlns:p14="http://schemas.microsoft.com/office/powerpoint/2010/main" val="1659371900"/>
+      </p:ext>
+    </p:extLst>
+  </p:cSld>
+  <p:clrMapOvr>
+    <a:masterClrMapping/>
+  </p:clrMapOvr>
+</p:sld>
+</file>
+
+<file path=ppt/slides/slide2.xml><?xml version="1.0" encoding="utf-8"?>
+<p:sld xmlns:a="http://schemas.openxmlformats.org/drawingml/2006/main" xmlns:r="http://schemas.openxmlformats.org/officeDocument/2006/relationships" xmlns:p="http://schemas.openxmlformats.org/presentationml/2006/main">
+  <p:cSld>
+    <p:bg>
+      <p:bgPr>
+        <a:solidFill>
+          <a:schemeClr val="bg2">
+            <a:lumMod val="75000"/>
+          </a:schemeClr>
+        </a:solidFill>
+        <a:effectLst/>
+      </p:bgPr>
+    </p:bg>
+    <p:spTree>
+      <p:nvGrpSpPr>
+        <p:cNvPr id="1" name=""/>
+        <p:cNvGrpSpPr/>
+        <p:nvPr/>
+      </p:nvGrpSpPr>
+      <p:grpSpPr>
+        <a:xfrm>
+          <a:off x="0" y="0"/>
+          <a:ext cx="0" cy="0"/>
+          <a:chOff x="0" y="0"/>
+          <a:chExt cx="0" cy="0"/>
+        </a:xfrm>
+      </p:grpSpPr>
+      <p:sp>
+        <p:nvSpPr>
+          <p:cNvPr id="3" name="Tekstvak 5">
+            <a:extLst>
+              <a:ext uri="{FF2B5EF4-FFF2-40B4-BE49-F238E27FC236}">
+                <a16:creationId xmlns:a16="http://schemas.microsoft.com/office/drawing/2014/main" id="{BF228A72-8E27-4D93-959C-DF1E03FD1657}"/>
+              </a:ext>
+            </a:extLst>
+          </p:cNvPr>
+          <p:cNvSpPr txBox="1"/>
+          <p:nvPr/>
+        </p:nvSpPr>
+        <p:spPr>
+          <a:xfrm>
+            <a:off x="1120434" y="1587163"/>
+            <a:ext cx="5923545" cy="2203680"/>
+          </a:xfrm>
+          <a:prstGeom prst="rect">
+            <a:avLst/>
+          </a:prstGeom>
+          <a:noFill/>
+        </p:spPr>
+        <p:txBody>
+          <a:bodyPr wrap="none" rtlCol="0">
+            <a:spAutoFit/>
+          </a:bodyPr>
+          <a:lstStyle/>
+          <a:p>
+            <a:r>
+              <a:rPr lang="en-US" sz="1960" dirty="0"/>
+              <a:t>In this task, you will see a set of three symbols. </a:t>
+            </a:r>
+          </a:p>
+          <a:p>
+            <a:endParaRPr lang="en-US" sz="1960" dirty="0"/>
+          </a:p>
+          <a:p>
+            <a:r>
+              <a:rPr lang="en-US" sz="1960" dirty="0"/>
+              <a:t>These symbols can be the number 1, 2, 3 or the letter X. </a:t>
+            </a:r>
+          </a:p>
+          <a:p>
+            <a:endParaRPr lang="en-US" sz="1960" dirty="0"/>
+          </a:p>
+          <a:p>
+            <a:endParaRPr lang="en-US" sz="1960" dirty="0"/>
+          </a:p>
+          <a:p>
+            <a:endParaRPr lang="en-US" sz="1960" dirty="0"/>
+          </a:p>
+          <a:p>
+            <a:endParaRPr lang="en-US" sz="1960" dirty="0"/>
+          </a:p>
+        </p:txBody>
+      </p:sp>
+    </p:spTree>
+    <p:extLst>
+      <p:ext uri="{BB962C8B-B14F-4D97-AF65-F5344CB8AC3E}">
+        <p14:creationId xmlns:p14="http://schemas.microsoft.com/office/powerpoint/2010/main" val="846283936"/>
+      </p:ext>
+    </p:extLst>
+  </p:cSld>
+  <p:clrMapOvr>
+    <a:masterClrMapping/>
+  </p:clrMapOvr>
+</p:sld>
+</file>
+
+<file path=ppt/slides/slide20.xml><?xml version="1.0" encoding="utf-8"?>
+<p:sld xmlns:a="http://schemas.openxmlformats.org/drawingml/2006/main" xmlns:r="http://schemas.openxmlformats.org/officeDocument/2006/relationships" xmlns:p="http://schemas.openxmlformats.org/presentationml/2006/main">
+  <p:cSld>
+    <p:bg>
+      <p:bgPr>
+        <a:solidFill>
+          <a:schemeClr val="bg2">
+            <a:lumMod val="75000"/>
+          </a:schemeClr>
+        </a:solidFill>
+        <a:effectLst/>
+      </p:bgPr>
+    </p:bg>
+    <p:spTree>
+      <p:nvGrpSpPr>
+        <p:cNvPr id="1" name=""/>
+        <p:cNvGrpSpPr/>
+        <p:nvPr/>
+      </p:nvGrpSpPr>
+      <p:grpSpPr>
+        <a:xfrm>
+          <a:off x="0" y="0"/>
+          <a:ext cx="0" cy="0"/>
+          <a:chOff x="0" y="0"/>
+          <a:chExt cx="0" cy="0"/>
+        </a:xfrm>
+      </p:grpSpPr>
+      <p:sp>
+        <p:nvSpPr>
+          <p:cNvPr id="3" name="Tekstvak 5">
+            <a:extLst>
+              <a:ext uri="{FF2B5EF4-FFF2-40B4-BE49-F238E27FC236}">
+                <a16:creationId xmlns:a16="http://schemas.microsoft.com/office/drawing/2014/main" id="{BF228A72-8E27-4D93-959C-DF1E03FD1657}"/>
+              </a:ext>
+            </a:extLst>
+          </p:cNvPr>
+          <p:cNvSpPr txBox="1"/>
+          <p:nvPr/>
+        </p:nvSpPr>
+        <p:spPr>
+          <a:xfrm>
+            <a:off x="853471" y="1116545"/>
+            <a:ext cx="7198189" cy="7251216"/>
+          </a:xfrm>
+          <a:prstGeom prst="rect">
+            <a:avLst/>
+          </a:prstGeom>
+          <a:noFill/>
+        </p:spPr>
+        <p:txBody>
+          <a:bodyPr wrap="none" rtlCol="0">
+            <a:spAutoFit/>
+          </a:bodyPr>
+          <a:lstStyle/>
+          <a:p>
+            <a:r>
+              <a:rPr lang="en-US" sz="1960" dirty="0"/>
+              <a:t>For </a:t>
+            </a:r>
+            <a:r>
+              <a:rPr lang="en-US" sz="1960" b="1" i="1" dirty="0">
+                <a:solidFill>
+                  <a:schemeClr val="accent2"/>
+                </a:solidFill>
+              </a:rPr>
+              <a:t>mismatching</a:t>
+            </a:r>
+            <a:r>
+              <a:rPr lang="en-US" sz="1960" b="1" dirty="0"/>
+              <a:t> </a:t>
+            </a:r>
+            <a:r>
+              <a:rPr lang="en-US" sz="1960" dirty="0"/>
+              <a:t>trials, the </a:t>
+            </a:r>
+            <a:r>
+              <a:rPr lang="en-US" sz="1960" b="1" dirty="0"/>
+              <a:t>position</a:t>
+            </a:r>
+            <a:r>
+              <a:rPr lang="en-US" sz="1960" dirty="0"/>
+              <a:t> of the </a:t>
+            </a:r>
+            <a:r>
+              <a:rPr lang="en-US" sz="1960" b="1" dirty="0"/>
+              <a:t>oddball</a:t>
+            </a:r>
+            <a:r>
+              <a:rPr lang="en-US" sz="1960" dirty="0"/>
+              <a:t> on the screen will </a:t>
+            </a:r>
+          </a:p>
+          <a:p>
+            <a:pPr rtl="0">
+              <a:spcBef>
+                <a:spcPts val="0"/>
+              </a:spcBef>
+              <a:spcAft>
+                <a:spcPts val="0"/>
+              </a:spcAft>
+            </a:pPr>
+            <a:r>
+              <a:rPr lang="en-US" sz="1960" dirty="0"/>
+              <a:t>be the </a:t>
+            </a:r>
+            <a:r>
+              <a:rPr lang="en-US" sz="1960" b="1" dirty="0"/>
+              <a:t>different </a:t>
+            </a:r>
+            <a:r>
+              <a:rPr lang="en-US" sz="1960" dirty="0"/>
+              <a:t> from the </a:t>
+            </a:r>
+            <a:r>
+              <a:rPr lang="en-US" sz="1960" b="1" dirty="0"/>
+              <a:t>location</a:t>
+            </a:r>
+            <a:r>
+              <a:rPr lang="en-US" sz="1960" dirty="0"/>
+              <a:t> of the key you must press: </a:t>
+            </a:r>
+          </a:p>
+          <a:p>
+            <a:endParaRPr lang="en-US" sz="1960" dirty="0"/>
+          </a:p>
+          <a:p>
+            <a:pPr rtl="0">
+              <a:spcBef>
+                <a:spcPts val="0"/>
+              </a:spcBef>
+              <a:spcAft>
+                <a:spcPts val="0"/>
+              </a:spcAft>
+            </a:pPr>
+            <a:endParaRPr lang="en-US" sz="1960" dirty="0"/>
+          </a:p>
+          <a:p>
+            <a:br>
+              <a:rPr lang="en-US" sz="2000" dirty="0"/>
+            </a:br>
+            <a:endParaRPr lang="en-US" sz="1960" dirty="0"/>
+          </a:p>
+          <a:p>
+            <a:pPr algn="ctr"/>
+            <a:endParaRPr lang="en-US" sz="1960" dirty="0"/>
+          </a:p>
+          <a:p>
+            <a:pPr algn="ctr"/>
+            <a:endParaRPr lang="en-US" sz="1960" dirty="0"/>
+          </a:p>
+          <a:p>
+            <a:pPr algn="ctr"/>
+            <a:endParaRPr lang="en-US" sz="1960" dirty="0"/>
+          </a:p>
+          <a:p>
+            <a:pPr algn="ctr"/>
+            <a:endParaRPr lang="en-US" sz="1960" dirty="0"/>
+          </a:p>
+          <a:p>
+            <a:pPr algn="ctr"/>
+            <a:endParaRPr lang="en-US" sz="1960" dirty="0"/>
+          </a:p>
+          <a:p>
+            <a:pPr algn="ctr"/>
+            <a:endParaRPr lang="en-US" sz="1960" dirty="0"/>
+          </a:p>
+          <a:p>
+            <a:pPr algn="ctr"/>
+            <a:endParaRPr lang="en-US" sz="1960" dirty="0"/>
+          </a:p>
+          <a:p>
+            <a:pPr algn="ctr"/>
+            <a:endParaRPr lang="en-US" sz="4620" dirty="0"/>
+          </a:p>
+          <a:p>
+            <a:pPr algn="ctr"/>
+            <a:endParaRPr lang="en-US" sz="4620" dirty="0"/>
+          </a:p>
+          <a:p>
+            <a:pPr algn="ctr"/>
+            <a:endParaRPr lang="en-US" sz="1960" dirty="0"/>
+          </a:p>
+          <a:p>
+            <a:endParaRPr lang="en-US" sz="1960" dirty="0"/>
+          </a:p>
+          <a:p>
+            <a:r>
+              <a:rPr lang="en-US" sz="1960" dirty="0"/>
+              <a:t> </a:t>
+            </a:r>
+          </a:p>
+          <a:p>
+            <a:endParaRPr lang="en-US" sz="1960" dirty="0"/>
+          </a:p>
+          <a:p>
+            <a:endParaRPr lang="en-US" sz="1960" dirty="0"/>
+          </a:p>
+          <a:p>
+            <a:endParaRPr lang="en-US" sz="1960" dirty="0"/>
+          </a:p>
+        </p:txBody>
+      </p:sp>
+      <p:sp>
+        <p:nvSpPr>
+          <p:cNvPr id="6" name="Tekstvak 5">
+            <a:extLst>
+              <a:ext uri="{FF2B5EF4-FFF2-40B4-BE49-F238E27FC236}">
+                <a16:creationId xmlns:a16="http://schemas.microsoft.com/office/drawing/2014/main" id="{A7D3FBCB-F6A3-4FA7-A179-58C1665B6DFD}"/>
+              </a:ext>
+            </a:extLst>
+          </p:cNvPr>
+          <p:cNvSpPr txBox="1"/>
+          <p:nvPr/>
+        </p:nvSpPr>
+        <p:spPr>
+          <a:xfrm>
+            <a:off x="2127358" y="2369611"/>
+            <a:ext cx="4889283" cy="2914644"/>
+          </a:xfrm>
+          <a:prstGeom prst="rect">
+            <a:avLst/>
+          </a:prstGeom>
+          <a:solidFill>
+            <a:schemeClr val="bg1"/>
+          </a:solidFill>
+        </p:spPr>
+        <p:txBody>
+          <a:bodyPr wrap="square" rtlCol="0">
+            <a:spAutoFit/>
+          </a:bodyPr>
+          <a:lstStyle/>
+          <a:p>
+            <a:pPr algn="ctr"/>
+            <a:endParaRPr lang="en-US" sz="1960" dirty="0"/>
+          </a:p>
+          <a:p>
+            <a:pPr algn="ctr"/>
+            <a:endParaRPr lang="en-US" sz="1960" dirty="0"/>
+          </a:p>
+          <a:p>
+            <a:pPr algn="ctr"/>
+            <a:endParaRPr lang="en-US" sz="1960" dirty="0"/>
+          </a:p>
+          <a:p>
+            <a:pPr algn="ctr"/>
+            <a:r>
+              <a:rPr lang="en-US" sz="4620" dirty="0"/>
+              <a:t>233</a:t>
+            </a:r>
+          </a:p>
+          <a:p>
+            <a:pPr algn="ctr"/>
+            <a:endParaRPr lang="en-US" sz="1960" dirty="0"/>
+          </a:p>
+          <a:p>
+            <a:endParaRPr lang="en-US" sz="1960" dirty="0"/>
+          </a:p>
+          <a:p>
+            <a:r>
+              <a:rPr lang="en-US" sz="1960" dirty="0"/>
+              <a:t> </a:t>
+            </a:r>
+          </a:p>
+          <a:p>
+            <a:endParaRPr lang="en-US" sz="1960" dirty="0"/>
+          </a:p>
+        </p:txBody>
+      </p:sp>
+    </p:spTree>
+    <p:extLst>
+      <p:ext uri="{BB962C8B-B14F-4D97-AF65-F5344CB8AC3E}">
+        <p14:creationId xmlns:p14="http://schemas.microsoft.com/office/powerpoint/2010/main" val="4038567093"/>
+      </p:ext>
+    </p:extLst>
+  </p:cSld>
+  <p:clrMapOvr>
+    <a:masterClrMapping/>
+  </p:clrMapOvr>
+</p:sld>
+</file>
+
+<file path=ppt/slides/slide21.xml><?xml version="1.0" encoding="utf-8"?>
+<p:sld xmlns:a="http://schemas.openxmlformats.org/drawingml/2006/main" xmlns:r="http://schemas.openxmlformats.org/officeDocument/2006/relationships" xmlns:p="http://schemas.openxmlformats.org/presentationml/2006/main">
+  <p:cSld>
+    <p:bg>
+      <p:bgPr>
+        <a:solidFill>
+          <a:schemeClr val="bg2">
+            <a:lumMod val="75000"/>
+          </a:schemeClr>
+        </a:solidFill>
+        <a:effectLst/>
+      </p:bgPr>
+    </p:bg>
+    <p:spTree>
+      <p:nvGrpSpPr>
+        <p:cNvPr id="1" name=""/>
+        <p:cNvGrpSpPr/>
+        <p:nvPr/>
+      </p:nvGrpSpPr>
+      <p:grpSpPr>
+        <a:xfrm>
+          <a:off x="0" y="0"/>
+          <a:ext cx="0" cy="0"/>
+          <a:chOff x="0" y="0"/>
+          <a:chExt cx="0" cy="0"/>
+        </a:xfrm>
+      </p:grpSpPr>
+      <p:sp>
+        <p:nvSpPr>
+          <p:cNvPr id="3" name="Tekstvak 5">
+            <a:extLst>
+              <a:ext uri="{FF2B5EF4-FFF2-40B4-BE49-F238E27FC236}">
+                <a16:creationId xmlns:a16="http://schemas.microsoft.com/office/drawing/2014/main" id="{BF228A72-8E27-4D93-959C-DF1E03FD1657}"/>
+              </a:ext>
+            </a:extLst>
+          </p:cNvPr>
+          <p:cNvSpPr txBox="1"/>
+          <p:nvPr/>
+        </p:nvSpPr>
+        <p:spPr>
+          <a:xfrm>
+            <a:off x="853471" y="1116545"/>
+            <a:ext cx="7569893" cy="8156079"/>
+          </a:xfrm>
+          <a:prstGeom prst="rect">
+            <a:avLst/>
+          </a:prstGeom>
+          <a:noFill/>
+        </p:spPr>
+        <p:txBody>
+          <a:bodyPr wrap="none" rtlCol="0">
+            <a:spAutoFit/>
+          </a:bodyPr>
+          <a:lstStyle/>
+          <a:p>
+            <a:r>
+              <a:rPr lang="en-US" sz="1960" dirty="0"/>
+              <a:t>For </a:t>
+            </a:r>
+            <a:r>
+              <a:rPr lang="en-US" sz="1960" b="1" i="1" dirty="0">
+                <a:solidFill>
+                  <a:schemeClr val="accent2"/>
+                </a:solidFill>
+              </a:rPr>
+              <a:t>mismatching</a:t>
+            </a:r>
+            <a:r>
+              <a:rPr lang="en-US" sz="1960" b="1" dirty="0"/>
+              <a:t> </a:t>
+            </a:r>
+            <a:r>
+              <a:rPr lang="en-US" sz="1960" dirty="0"/>
+              <a:t>trials, the </a:t>
+            </a:r>
+            <a:r>
+              <a:rPr lang="en-US" sz="1960" b="1" dirty="0"/>
+              <a:t>position</a:t>
+            </a:r>
+            <a:r>
+              <a:rPr lang="en-US" sz="1960" dirty="0"/>
+              <a:t> of the </a:t>
+            </a:r>
+            <a:r>
+              <a:rPr lang="en-US" sz="1960" b="1" dirty="0"/>
+              <a:t>oddball</a:t>
+            </a:r>
+            <a:r>
+              <a:rPr lang="en-US" sz="1960" dirty="0"/>
+              <a:t> on the screen will </a:t>
+            </a:r>
+          </a:p>
+          <a:p>
+            <a:pPr rtl="0">
+              <a:spcBef>
+                <a:spcPts val="0"/>
+              </a:spcBef>
+              <a:spcAft>
+                <a:spcPts val="0"/>
+              </a:spcAft>
+            </a:pPr>
+            <a:r>
+              <a:rPr lang="en-US" sz="1960" dirty="0"/>
+              <a:t>be the </a:t>
+            </a:r>
+            <a:r>
+              <a:rPr lang="en-US" sz="1960" b="1" dirty="0"/>
+              <a:t>different </a:t>
+            </a:r>
+            <a:r>
+              <a:rPr lang="en-US" sz="1960" dirty="0"/>
+              <a:t> from the </a:t>
+            </a:r>
+            <a:r>
+              <a:rPr lang="en-US" sz="1960" b="1" dirty="0"/>
+              <a:t>location</a:t>
+            </a:r>
+            <a:r>
+              <a:rPr lang="en-US" sz="1960" dirty="0"/>
+              <a:t> of the key you must press: </a:t>
+            </a:r>
+          </a:p>
+          <a:p>
+            <a:endParaRPr lang="en-US" sz="1960" dirty="0"/>
+          </a:p>
+          <a:p>
+            <a:r>
+              <a:rPr lang="en-US" sz="1960" dirty="0"/>
+              <a:t>For example, here the number 2 is the oddball </a:t>
+            </a:r>
+            <a:r>
+              <a:rPr lang="en-US" sz="1960" b="1" i="1" dirty="0"/>
+              <a:t>BUT</a:t>
+            </a:r>
+            <a:r>
+              <a:rPr lang="en-US" sz="1960" b="1" dirty="0"/>
+              <a:t> </a:t>
+            </a:r>
+            <a:r>
+              <a:rPr lang="en-US" sz="1960" dirty="0"/>
+              <a:t>is in the first position</a:t>
+            </a:r>
+          </a:p>
+          <a:p>
+            <a:pPr rtl="0">
+              <a:spcBef>
+                <a:spcPts val="0"/>
+              </a:spcBef>
+              <a:spcAft>
+                <a:spcPts val="0"/>
+              </a:spcAft>
+            </a:pPr>
+            <a:endParaRPr lang="en-US" sz="1960" dirty="0"/>
+          </a:p>
+          <a:p>
+            <a:br>
+              <a:rPr lang="en-US" sz="2000" dirty="0"/>
+            </a:br>
+            <a:endParaRPr lang="en-US" sz="1960" dirty="0"/>
+          </a:p>
+          <a:p>
+            <a:pPr algn="ctr"/>
+            <a:endParaRPr lang="en-US" sz="1960" dirty="0"/>
+          </a:p>
+          <a:p>
+            <a:pPr algn="ctr"/>
+            <a:endParaRPr lang="en-US" sz="1960" dirty="0"/>
+          </a:p>
+          <a:p>
+            <a:pPr algn="ctr"/>
+            <a:endParaRPr lang="en-US" sz="1960" dirty="0"/>
+          </a:p>
+          <a:p>
+            <a:pPr algn="ctr"/>
+            <a:endParaRPr lang="en-US" sz="1960" dirty="0"/>
+          </a:p>
+          <a:p>
+            <a:pPr algn="ctr"/>
+            <a:endParaRPr lang="en-US" sz="1960" dirty="0"/>
+          </a:p>
+          <a:p>
+            <a:pPr algn="ctr"/>
+            <a:endParaRPr lang="en-US" sz="1960" dirty="0"/>
+          </a:p>
+          <a:p>
+            <a:pPr algn="ctr"/>
+            <a:endParaRPr lang="en-US" sz="1960" dirty="0"/>
+          </a:p>
+          <a:p>
+            <a:pPr algn="ctr"/>
+            <a:r>
+              <a:rPr lang="en-US" sz="1960" dirty="0"/>
+              <a:t>	(The correct response is to press 2)  </a:t>
+            </a:r>
+          </a:p>
+          <a:p>
+            <a:pPr algn="ctr"/>
+            <a:endParaRPr lang="en-US" sz="1960" dirty="0"/>
+          </a:p>
+          <a:p>
+            <a:pPr algn="ctr"/>
+            <a:endParaRPr lang="en-US" sz="4620" dirty="0"/>
+          </a:p>
+          <a:p>
+            <a:pPr algn="ctr"/>
+            <a:endParaRPr lang="en-US" sz="4620" dirty="0"/>
+          </a:p>
+          <a:p>
+            <a:pPr algn="ctr"/>
+            <a:endParaRPr lang="en-US" sz="1960" dirty="0"/>
+          </a:p>
+          <a:p>
+            <a:endParaRPr lang="en-US" sz="1960" dirty="0"/>
+          </a:p>
+          <a:p>
+            <a:r>
+              <a:rPr lang="en-US" sz="1960" dirty="0"/>
+              <a:t> </a:t>
+            </a:r>
+          </a:p>
+          <a:p>
+            <a:endParaRPr lang="en-US" sz="1960" dirty="0"/>
+          </a:p>
+          <a:p>
+            <a:endParaRPr lang="en-US" sz="1960" dirty="0"/>
+          </a:p>
+          <a:p>
+            <a:endParaRPr lang="en-US" sz="1960" dirty="0"/>
+          </a:p>
+        </p:txBody>
+      </p:sp>
+      <p:sp>
+        <p:nvSpPr>
+          <p:cNvPr id="6" name="Tekstvak 5">
+            <a:extLst>
+              <a:ext uri="{FF2B5EF4-FFF2-40B4-BE49-F238E27FC236}">
+                <a16:creationId xmlns:a16="http://schemas.microsoft.com/office/drawing/2014/main" id="{A7D3FBCB-F6A3-4FA7-A179-58C1665B6DFD}"/>
+              </a:ext>
+            </a:extLst>
+          </p:cNvPr>
+          <p:cNvSpPr txBox="1"/>
+          <p:nvPr/>
+        </p:nvSpPr>
+        <p:spPr>
+          <a:xfrm>
+            <a:off x="2127358" y="2369611"/>
+            <a:ext cx="4889283" cy="2914644"/>
+          </a:xfrm>
+          <a:prstGeom prst="rect">
+            <a:avLst/>
+          </a:prstGeom>
+          <a:solidFill>
+            <a:schemeClr val="bg1"/>
+          </a:solidFill>
+        </p:spPr>
+        <p:txBody>
+          <a:bodyPr wrap="square" rtlCol="0">
+            <a:spAutoFit/>
+          </a:bodyPr>
+          <a:lstStyle/>
+          <a:p>
+            <a:pPr algn="ctr"/>
+            <a:endParaRPr lang="en-US" sz="1960" dirty="0"/>
+          </a:p>
+          <a:p>
+            <a:pPr algn="ctr"/>
+            <a:endParaRPr lang="en-US" sz="1960" dirty="0"/>
+          </a:p>
+          <a:p>
+            <a:pPr algn="ctr"/>
+            <a:endParaRPr lang="en-US" sz="1960" dirty="0"/>
+          </a:p>
+          <a:p>
+            <a:pPr algn="ctr"/>
+            <a:r>
+              <a:rPr lang="en-US" sz="4620" dirty="0"/>
+              <a:t>233</a:t>
+            </a:r>
+          </a:p>
+          <a:p>
+            <a:pPr algn="ctr"/>
+            <a:endParaRPr lang="en-US" sz="1960" dirty="0"/>
+          </a:p>
+          <a:p>
+            <a:endParaRPr lang="en-US" sz="1960" dirty="0"/>
+          </a:p>
+          <a:p>
+            <a:r>
+              <a:rPr lang="en-US" sz="1960" dirty="0"/>
+              <a:t> </a:t>
+            </a:r>
+          </a:p>
+          <a:p>
+            <a:endParaRPr lang="en-US" sz="1960" dirty="0"/>
+          </a:p>
+        </p:txBody>
+      </p:sp>
+      <p:grpSp>
+        <p:nvGrpSpPr>
+          <p:cNvPr id="4" name="Group 3">
+            <a:extLst>
+              <a:ext uri="{FF2B5EF4-FFF2-40B4-BE49-F238E27FC236}">
+                <a16:creationId xmlns:a16="http://schemas.microsoft.com/office/drawing/2014/main" id="{6F63BE48-7EA6-47F0-9ACF-181D94B458EC}"/>
+              </a:ext>
+            </a:extLst>
+          </p:cNvPr>
+          <p:cNvGrpSpPr/>
+          <p:nvPr/>
+        </p:nvGrpSpPr>
+        <p:grpSpPr>
+          <a:xfrm>
+            <a:off x="6979492" y="4823982"/>
+            <a:ext cx="1874520" cy="1271016"/>
+            <a:chOff x="-632648" y="1704364"/>
+            <a:chExt cx="7013251" cy="6335081"/>
+          </a:xfrm>
+        </p:grpSpPr>
+        <p:grpSp>
+          <p:nvGrpSpPr>
+            <p:cNvPr id="5" name="Group 4">
+              <a:extLst>
+                <a:ext uri="{FF2B5EF4-FFF2-40B4-BE49-F238E27FC236}">
+                  <a16:creationId xmlns:a16="http://schemas.microsoft.com/office/drawing/2014/main" id="{EB407000-E74E-40A4-9140-68E379B6877A}"/>
+                </a:ext>
+              </a:extLst>
+            </p:cNvPr>
+            <p:cNvGrpSpPr/>
+            <p:nvPr/>
+          </p:nvGrpSpPr>
+          <p:grpSpPr>
+            <a:xfrm>
+              <a:off x="-632648" y="2429030"/>
+              <a:ext cx="7013251" cy="5610415"/>
+              <a:chOff x="-1636348" y="436729"/>
+              <a:chExt cx="12070680" cy="8610417"/>
+            </a:xfrm>
+          </p:grpSpPr>
+          <p:pic>
+            <p:nvPicPr>
+              <p:cNvPr id="10" name="Picture 9" descr="A close up of a computer keyboard&#10;&#10;Description automatically generated">
+                <a:extLst>
+                  <a:ext uri="{FF2B5EF4-FFF2-40B4-BE49-F238E27FC236}">
+                    <a16:creationId xmlns:a16="http://schemas.microsoft.com/office/drawing/2014/main" id="{957CAE1E-FD41-4000-AA52-00F8523C834A}"/>
+                  </a:ext>
+                </a:extLst>
+              </p:cNvPr>
+              <p:cNvPicPr>
+                <a:picLocks noChangeAspect="1"/>
+              </p:cNvPicPr>
+              <p:nvPr/>
+            </p:nvPicPr>
+            <p:blipFill rotWithShape="1">
+              <a:blip r:embed="rId3">
+                <a:extLst>
+                  <a:ext uri="{28A0092B-C50C-407E-A947-70E740481C1C}">
+                    <a14:useLocalDpi xmlns:a14="http://schemas.microsoft.com/office/drawing/2010/main" val="0"/>
+                  </a:ext>
+                </a:extLst>
+              </a:blip>
+              <a:srcRect l="20910" t="29433" r="49218" b="57839"/>
+              <a:stretch/>
+            </p:blipFill>
+            <p:spPr>
+              <a:xfrm>
+                <a:off x="2113043" y="774788"/>
+                <a:ext cx="5258139" cy="1623319"/>
+              </a:xfrm>
+              <a:prstGeom prst="roundRect">
+                <a:avLst/>
+              </a:prstGeom>
+            </p:spPr>
+          </p:pic>
+          <p:pic>
+            <p:nvPicPr>
+              <p:cNvPr id="11" name="Picture 10" descr="A picture containing clip, black, light, white&#10;&#10;Description automatically generated">
+                <a:extLst>
+                  <a:ext uri="{FF2B5EF4-FFF2-40B4-BE49-F238E27FC236}">
+                    <a16:creationId xmlns:a16="http://schemas.microsoft.com/office/drawing/2014/main" id="{60113C21-6C3B-4E6A-B29B-108F34795893}"/>
+                  </a:ext>
+                </a:extLst>
+              </p:cNvPr>
+              <p:cNvPicPr>
+                <a:picLocks noChangeAspect="1"/>
+              </p:cNvPicPr>
+              <p:nvPr/>
+            </p:nvPicPr>
+            <p:blipFill>
+              <a:blip r:embed="rId4">
+                <a:extLst>
+                  <a:ext uri="{28A0092B-C50C-407E-A947-70E740481C1C}">
+                    <a14:useLocalDpi xmlns:a14="http://schemas.microsoft.com/office/drawing/2010/main" val="0"/>
+                  </a:ext>
+                </a:extLst>
+              </a:blip>
+              <a:stretch>
+                <a:fillRect/>
+              </a:stretch>
+            </p:blipFill>
+            <p:spPr>
+              <a:xfrm>
+                <a:off x="-1636348" y="436729"/>
+                <a:ext cx="12070680" cy="8610417"/>
+              </a:xfrm>
+              <a:prstGeom prst="rect">
+                <a:avLst/>
+              </a:prstGeom>
+            </p:spPr>
+          </p:pic>
+        </p:grpSp>
+        <p:sp>
+          <p:nvSpPr>
+            <p:cNvPr id="7" name="Rectangle 6">
+              <a:extLst>
+                <a:ext uri="{FF2B5EF4-FFF2-40B4-BE49-F238E27FC236}">
+                  <a16:creationId xmlns:a16="http://schemas.microsoft.com/office/drawing/2014/main" id="{5A3DE90C-9E66-41C4-BC2A-44696115993E}"/>
+                </a:ext>
+              </a:extLst>
+            </p:cNvPr>
+            <p:cNvSpPr/>
+            <p:nvPr/>
+          </p:nvSpPr>
+          <p:spPr>
+            <a:xfrm rot="12977664">
+              <a:off x="1901943" y="2178506"/>
+              <a:ext cx="561473" cy="174661"/>
+            </a:xfrm>
+            <a:prstGeom prst="rect">
+              <a:avLst/>
+            </a:prstGeom>
+            <a:solidFill>
+              <a:schemeClr val="tx1"/>
+            </a:solidFill>
+            <a:ln>
+              <a:solidFill>
+                <a:schemeClr val="tx1"/>
+              </a:solidFill>
+            </a:ln>
+          </p:spPr>
+          <p:style>
+            <a:lnRef idx="2">
+              <a:schemeClr val="accent1">
+                <a:shade val="50000"/>
+              </a:schemeClr>
+            </a:lnRef>
+            <a:fillRef idx="1">
+              <a:schemeClr val="accent1"/>
+            </a:fillRef>
+            <a:effectRef idx="0">
+              <a:schemeClr val="accent1"/>
+            </a:effectRef>
+            <a:fontRef idx="minor">
+              <a:schemeClr val="lt1"/>
+            </a:fontRef>
+          </p:style>
+          <p:txBody>
+            <a:bodyPr rtlCol="0" anchor="ctr"/>
+            <a:lstStyle/>
+            <a:p>
+              <a:pPr algn="ctr"/>
+              <a:endParaRPr lang="en-US"/>
+            </a:p>
+          </p:txBody>
+        </p:sp>
+        <p:sp>
+          <p:nvSpPr>
+            <p:cNvPr id="8" name="Rectangle 7">
+              <a:extLst>
+                <a:ext uri="{FF2B5EF4-FFF2-40B4-BE49-F238E27FC236}">
+                  <a16:creationId xmlns:a16="http://schemas.microsoft.com/office/drawing/2014/main" id="{1AE0661A-B7D5-42D7-B34C-89F1D080C56D}"/>
+                </a:ext>
+              </a:extLst>
+            </p:cNvPr>
+            <p:cNvSpPr/>
+            <p:nvPr/>
+          </p:nvSpPr>
+          <p:spPr>
+            <a:xfrm rot="5400000">
+              <a:off x="2593242" y="1897770"/>
+              <a:ext cx="561473" cy="174661"/>
+            </a:xfrm>
+            <a:prstGeom prst="rect">
+              <a:avLst/>
+            </a:prstGeom>
+            <a:solidFill>
+              <a:schemeClr val="tx1"/>
+            </a:solidFill>
+            <a:ln>
+              <a:solidFill>
+                <a:schemeClr val="tx1"/>
+              </a:solidFill>
+            </a:ln>
+          </p:spPr>
+          <p:style>
+            <a:lnRef idx="2">
+              <a:schemeClr val="accent1">
+                <a:shade val="50000"/>
+              </a:schemeClr>
+            </a:lnRef>
+            <a:fillRef idx="1">
+              <a:schemeClr val="accent1"/>
+            </a:fillRef>
+            <a:effectRef idx="0">
+              <a:schemeClr val="accent1"/>
+            </a:effectRef>
+            <a:fontRef idx="minor">
+              <a:schemeClr val="lt1"/>
+            </a:fontRef>
+          </p:style>
+          <p:txBody>
+            <a:bodyPr rtlCol="0" anchor="ctr"/>
+            <a:lstStyle/>
+            <a:p>
+              <a:pPr algn="ctr"/>
+              <a:endParaRPr lang="en-US"/>
+            </a:p>
+          </p:txBody>
+        </p:sp>
+        <p:sp>
+          <p:nvSpPr>
+            <p:cNvPr id="9" name="Rectangle 8">
+              <a:extLst>
+                <a:ext uri="{FF2B5EF4-FFF2-40B4-BE49-F238E27FC236}">
+                  <a16:creationId xmlns:a16="http://schemas.microsoft.com/office/drawing/2014/main" id="{D4AF80EE-3A50-46EA-91C1-7199C475B6B9}"/>
+                </a:ext>
+              </a:extLst>
+            </p:cNvPr>
+            <p:cNvSpPr/>
+            <p:nvPr/>
+          </p:nvSpPr>
+          <p:spPr>
+            <a:xfrm rot="8596589">
+              <a:off x="3318776" y="2108088"/>
+              <a:ext cx="561473" cy="174661"/>
+            </a:xfrm>
+            <a:prstGeom prst="rect">
+              <a:avLst/>
+            </a:prstGeom>
+            <a:solidFill>
+              <a:schemeClr val="tx1"/>
+            </a:solidFill>
+            <a:ln>
+              <a:solidFill>
+                <a:schemeClr val="tx1"/>
+              </a:solidFill>
+            </a:ln>
+          </p:spPr>
+          <p:style>
+            <a:lnRef idx="2">
+              <a:schemeClr val="accent1">
+                <a:shade val="50000"/>
+              </a:schemeClr>
+            </a:lnRef>
+            <a:fillRef idx="1">
+              <a:schemeClr val="accent1"/>
+            </a:fillRef>
+            <a:effectRef idx="0">
+              <a:schemeClr val="accent1"/>
+            </a:effectRef>
+            <a:fontRef idx="minor">
+              <a:schemeClr val="lt1"/>
+            </a:fontRef>
+          </p:style>
+          <p:txBody>
+            <a:bodyPr rtlCol="0" anchor="ctr"/>
+            <a:lstStyle/>
+            <a:p>
+              <a:pPr algn="ctr"/>
+              <a:endParaRPr lang="en-US"/>
+            </a:p>
+          </p:txBody>
+        </p:sp>
+      </p:grpSp>
+    </p:spTree>
+    <p:extLst>
+      <p:ext uri="{BB962C8B-B14F-4D97-AF65-F5344CB8AC3E}">
+        <p14:creationId xmlns:p14="http://schemas.microsoft.com/office/powerpoint/2010/main" val="2386791414"/>
       </p:ext>
     </p:extLst>
   </p:cSld>
@@ -12970,16 +12880,6 @@
 <file path=ppt/slides/slide31.xml><?xml version="1.0" encoding="utf-8"?>
 <p:sld xmlns:a="http://schemas.openxmlformats.org/drawingml/2006/main" xmlns:r="http://schemas.openxmlformats.org/officeDocument/2006/relationships" xmlns:p="http://schemas.openxmlformats.org/presentationml/2006/main">
   <p:cSld>
-    <p:bg>
-      <p:bgPr>
-        <a:solidFill>
-          <a:schemeClr val="bg2">
-            <a:lumMod val="75000"/>
-          </a:schemeClr>
-        </a:solidFill>
-        <a:effectLst/>
-      </p:bgPr>
-    </p:bg>
     <p:spTree>
       <p:nvGrpSpPr>
         <p:cNvPr id="1" name=""/>
@@ -12996,79 +12896,6 @@
       </p:grpSpPr>
       <p:sp>
         <p:nvSpPr>
-          <p:cNvPr id="3" name="Tekstvak 5">
-            <a:extLst>
-              <a:ext uri="{FF2B5EF4-FFF2-40B4-BE49-F238E27FC236}">
-                <a16:creationId xmlns:a16="http://schemas.microsoft.com/office/drawing/2014/main" id="{BF228A72-8E27-4D93-959C-DF1E03FD1657}"/>
-              </a:ext>
-            </a:extLst>
-          </p:cNvPr>
-          <p:cNvSpPr txBox="1"/>
-          <p:nvPr/>
-        </p:nvSpPr>
-        <p:spPr>
-          <a:xfrm>
-            <a:off x="1120435" y="1587163"/>
-            <a:ext cx="3442674" cy="695575"/>
-          </a:xfrm>
-          <a:prstGeom prst="rect">
-            <a:avLst/>
-          </a:prstGeom>
-          <a:noFill/>
-        </p:spPr>
-        <p:txBody>
-          <a:bodyPr wrap="none" rtlCol="0">
-            <a:spAutoFit/>
-          </a:bodyPr>
-          <a:lstStyle/>
-          <a:p>
-            <a:r>
-              <a:rPr lang="en-US" sz="1960" dirty="0"/>
-              <a:t>Now you will practice </a:t>
-            </a:r>
-            <a:r>
-              <a:rPr lang="en-US" sz="1960"/>
-              <a:t>this task. </a:t>
-            </a:r>
-            <a:endParaRPr lang="en-US" sz="1960" dirty="0"/>
-          </a:p>
-          <a:p>
-            <a:endParaRPr lang="en-US" sz="1960" dirty="0"/>
-          </a:p>
-        </p:txBody>
-      </p:sp>
-    </p:spTree>
-    <p:extLst>
-      <p:ext uri="{BB962C8B-B14F-4D97-AF65-F5344CB8AC3E}">
-        <p14:creationId xmlns:p14="http://schemas.microsoft.com/office/powerpoint/2010/main" val="3124473020"/>
-      </p:ext>
-    </p:extLst>
-  </p:cSld>
-  <p:clrMapOvr>
-    <a:masterClrMapping/>
-  </p:clrMapOvr>
-</p:sld>
-</file>
-
-<file path=ppt/slides/slide32.xml><?xml version="1.0" encoding="utf-8"?>
-<p:sld xmlns:a="http://schemas.openxmlformats.org/drawingml/2006/main" xmlns:r="http://schemas.openxmlformats.org/officeDocument/2006/relationships" xmlns:p="http://schemas.openxmlformats.org/presentationml/2006/main">
-  <p:cSld>
-    <p:spTree>
-      <p:nvGrpSpPr>
-        <p:cNvPr id="1" name=""/>
-        <p:cNvGrpSpPr/>
-        <p:nvPr/>
-      </p:nvGrpSpPr>
-      <p:grpSpPr>
-        <a:xfrm>
-          <a:off x="0" y="0"/>
-          <a:ext cx="0" cy="0"/>
-          <a:chOff x="0" y="0"/>
-          <a:chExt cx="0" cy="0"/>
-        </a:xfrm>
-      </p:grpSpPr>
-      <p:sp>
-        <p:nvSpPr>
           <p:cNvPr id="4" name="Tekstvak 3">
             <a:extLst>
               <a:ext uri="{FF2B5EF4-FFF2-40B4-BE49-F238E27FC236}">
@@ -13116,7 +12943,7 @@
 </p:sld>
 </file>
 
-<file path=ppt/slides/slide33.xml><?xml version="1.0" encoding="utf-8"?>
+<file path=ppt/slides/slide32.xml><?xml version="1.0" encoding="utf-8"?>
 <p:sld xmlns:a="http://schemas.openxmlformats.org/drawingml/2006/main" xmlns:r="http://schemas.openxmlformats.org/officeDocument/2006/relationships" xmlns:p="http://schemas.openxmlformats.org/presentationml/2006/main">
   <p:cSld>
     <p:bg>
@@ -13431,7 +13258,7 @@
 </p:sld>
 </file>
 
-<file path=ppt/slides/slide34.xml><?xml version="1.0" encoding="utf-8"?>
+<file path=ppt/slides/slide33.xml><?xml version="1.0" encoding="utf-8"?>
 <p:sld xmlns:a="http://schemas.openxmlformats.org/drawingml/2006/main" xmlns:r="http://schemas.openxmlformats.org/officeDocument/2006/relationships" xmlns:p="http://schemas.openxmlformats.org/presentationml/2006/main">
   <p:cSld>
     <p:bg>
@@ -13746,7 +13573,7 @@
 </p:sld>
 </file>
 
-<file path=ppt/slides/slide35.xml><?xml version="1.0" encoding="utf-8"?>
+<file path=ppt/slides/slide34.xml><?xml version="1.0" encoding="utf-8"?>
 <p:sld xmlns:a="http://schemas.openxmlformats.org/drawingml/2006/main" xmlns:r="http://schemas.openxmlformats.org/officeDocument/2006/relationships" xmlns:p="http://schemas.openxmlformats.org/presentationml/2006/main">
   <p:cSld>
     <p:bg>
